--- a/_posts/202009_azure_static_blog/schema.pptx
+++ b/_posts/202009_azure_static_blog/schema.pptx
@@ -5,11 +5,13 @@
     <p:sldMasterId id="2147483648" r:id="rId1"/>
   </p:sldMasterIdLst>
   <p:notesMasterIdLst>
-    <p:notesMasterId r:id="rId4"/>
+    <p:notesMasterId r:id="rId6"/>
   </p:notesMasterIdLst>
   <p:sldIdLst>
     <p:sldId id="256" r:id="rId2"/>
     <p:sldId id="257" r:id="rId3"/>
+    <p:sldId id="258" r:id="rId4"/>
+    <p:sldId id="259" r:id="rId5"/>
   </p:sldIdLst>
   <p:sldSz cx="12192000" cy="6858000"/>
   <p:notesSz cx="6858000" cy="9144000"/>
@@ -504,7 +506,7 @@
           <a:bodyPr/>
           <a:lstStyle/>
           <a:p>
-            <a:endParaRPr lang="en-US"/>
+            <a:endParaRPr lang="en-US" dirty="0"/>
           </a:p>
         </p:txBody>
       </p:sp>
@@ -526,6 +528,174 @@
             <a:fld id="{7F8470F8-6A25-490B-91E1-EF2E1E15BAF6}" type="slidenum">
               <a:rPr lang="en-US" smtClean="0"/>
               <a:t>2</a:t>
+            </a:fld>
+            <a:endParaRPr lang="en-US"/>
+          </a:p>
+        </p:txBody>
+      </p:sp>
+    </p:spTree>
+    <p:extLst>
+      <p:ext uri="{BB962C8B-B14F-4D97-AF65-F5344CB8AC3E}">
+        <p14:creationId xmlns:p14="http://schemas.microsoft.com/office/powerpoint/2010/main" val="482444681"/>
+      </p:ext>
+    </p:extLst>
+  </p:cSld>
+  <p:clrMapOvr>
+    <a:masterClrMapping/>
+  </p:clrMapOvr>
+</p:notes>
+</file>
+
+<file path=ppt/notesSlides/notesSlide2.xml><?xml version="1.0" encoding="utf-8"?>
+<p:notes xmlns:a="http://schemas.openxmlformats.org/drawingml/2006/main" xmlns:r="http://schemas.openxmlformats.org/officeDocument/2006/relationships" xmlns:p="http://schemas.openxmlformats.org/presentationml/2006/main">
+  <p:cSld>
+    <p:spTree>
+      <p:nvGrpSpPr>
+        <p:cNvPr id="1" name=""/>
+        <p:cNvGrpSpPr/>
+        <p:nvPr/>
+      </p:nvGrpSpPr>
+      <p:grpSpPr>
+        <a:xfrm>
+          <a:off x="0" y="0"/>
+          <a:ext cx="0" cy="0"/>
+          <a:chOff x="0" y="0"/>
+          <a:chExt cx="0" cy="0"/>
+        </a:xfrm>
+      </p:grpSpPr>
+      <p:sp>
+        <p:nvSpPr>
+          <p:cNvPr id="2" name="Slide Image Placeholder 1"/>
+          <p:cNvSpPr>
+            <a:spLocks noGrp="1" noRot="1" noChangeAspect="1"/>
+          </p:cNvSpPr>
+          <p:nvPr>
+            <p:ph type="sldImg"/>
+          </p:nvPr>
+        </p:nvSpPr>
+        <p:spPr/>
+      </p:sp>
+      <p:sp>
+        <p:nvSpPr>
+          <p:cNvPr id="3" name="Notes Placeholder 2"/>
+          <p:cNvSpPr>
+            <a:spLocks noGrp="1"/>
+          </p:cNvSpPr>
+          <p:nvPr>
+            <p:ph type="body" idx="1"/>
+          </p:nvPr>
+        </p:nvSpPr>
+        <p:spPr/>
+        <p:txBody>
+          <a:bodyPr/>
+          <a:lstStyle/>
+          <a:p>
+            <a:endParaRPr lang="en-US" dirty="0"/>
+          </a:p>
+        </p:txBody>
+      </p:sp>
+      <p:sp>
+        <p:nvSpPr>
+          <p:cNvPr id="4" name="Slide Number Placeholder 3"/>
+          <p:cNvSpPr>
+            <a:spLocks noGrp="1"/>
+          </p:cNvSpPr>
+          <p:nvPr>
+            <p:ph type="sldNum" sz="quarter" idx="5"/>
+          </p:nvPr>
+        </p:nvSpPr>
+        <p:spPr/>
+        <p:txBody>
+          <a:bodyPr/>
+          <a:lstStyle/>
+          <a:p>
+            <a:fld id="{7F8470F8-6A25-490B-91E1-EF2E1E15BAF6}" type="slidenum">
+              <a:rPr lang="en-US" smtClean="0"/>
+              <a:t>3</a:t>
+            </a:fld>
+            <a:endParaRPr lang="en-US"/>
+          </a:p>
+        </p:txBody>
+      </p:sp>
+    </p:spTree>
+    <p:extLst>
+      <p:ext uri="{BB962C8B-B14F-4D97-AF65-F5344CB8AC3E}">
+        <p14:creationId xmlns:p14="http://schemas.microsoft.com/office/powerpoint/2010/main" val="482444681"/>
+      </p:ext>
+    </p:extLst>
+  </p:cSld>
+  <p:clrMapOvr>
+    <a:masterClrMapping/>
+  </p:clrMapOvr>
+</p:notes>
+</file>
+
+<file path=ppt/notesSlides/notesSlide3.xml><?xml version="1.0" encoding="utf-8"?>
+<p:notes xmlns:a="http://schemas.openxmlformats.org/drawingml/2006/main" xmlns:r="http://schemas.openxmlformats.org/officeDocument/2006/relationships" xmlns:p="http://schemas.openxmlformats.org/presentationml/2006/main">
+  <p:cSld>
+    <p:spTree>
+      <p:nvGrpSpPr>
+        <p:cNvPr id="1" name=""/>
+        <p:cNvGrpSpPr/>
+        <p:nvPr/>
+      </p:nvGrpSpPr>
+      <p:grpSpPr>
+        <a:xfrm>
+          <a:off x="0" y="0"/>
+          <a:ext cx="0" cy="0"/>
+          <a:chOff x="0" y="0"/>
+          <a:chExt cx="0" cy="0"/>
+        </a:xfrm>
+      </p:grpSpPr>
+      <p:sp>
+        <p:nvSpPr>
+          <p:cNvPr id="2" name="Slide Image Placeholder 1"/>
+          <p:cNvSpPr>
+            <a:spLocks noGrp="1" noRot="1" noChangeAspect="1"/>
+          </p:cNvSpPr>
+          <p:nvPr>
+            <p:ph type="sldImg"/>
+          </p:nvPr>
+        </p:nvSpPr>
+        <p:spPr/>
+      </p:sp>
+      <p:sp>
+        <p:nvSpPr>
+          <p:cNvPr id="3" name="Notes Placeholder 2"/>
+          <p:cNvSpPr>
+            <a:spLocks noGrp="1"/>
+          </p:cNvSpPr>
+          <p:nvPr>
+            <p:ph type="body" idx="1"/>
+          </p:nvPr>
+        </p:nvSpPr>
+        <p:spPr/>
+        <p:txBody>
+          <a:bodyPr/>
+          <a:lstStyle/>
+          <a:p>
+            <a:endParaRPr lang="en-US" dirty="0"/>
+          </a:p>
+        </p:txBody>
+      </p:sp>
+      <p:sp>
+        <p:nvSpPr>
+          <p:cNvPr id="4" name="Slide Number Placeholder 3"/>
+          <p:cNvSpPr>
+            <a:spLocks noGrp="1"/>
+          </p:cNvSpPr>
+          <p:nvPr>
+            <p:ph type="sldNum" sz="quarter" idx="5"/>
+          </p:nvPr>
+        </p:nvSpPr>
+        <p:spPr/>
+        <p:txBody>
+          <a:bodyPr/>
+          <a:lstStyle/>
+          <a:p>
+            <a:fld id="{7F8470F8-6A25-490B-91E1-EF2E1E15BAF6}" type="slidenum">
+              <a:rPr lang="en-US" smtClean="0"/>
+              <a:t>4</a:t>
             </a:fld>
             <a:endParaRPr lang="en-US"/>
           </a:p>
@@ -7326,6 +7496,4815 @@
     <p:extLst>
       <p:ext uri="{BB962C8B-B14F-4D97-AF65-F5344CB8AC3E}">
         <p14:creationId xmlns:p14="http://schemas.microsoft.com/office/powerpoint/2010/main" val="1673422863"/>
+      </p:ext>
+    </p:extLst>
+  </p:cSld>
+  <p:clrMapOvr>
+    <a:masterClrMapping/>
+  </p:clrMapOvr>
+</p:sld>
+</file>
+
+<file path=ppt/slides/slide3.xml><?xml version="1.0" encoding="utf-8"?>
+<p:sld xmlns:a="http://schemas.openxmlformats.org/drawingml/2006/main" xmlns:r="http://schemas.openxmlformats.org/officeDocument/2006/relationships" xmlns:p="http://schemas.openxmlformats.org/presentationml/2006/main">
+  <p:cSld>
+    <p:spTree>
+      <p:nvGrpSpPr>
+        <p:cNvPr id="1" name=""/>
+        <p:cNvGrpSpPr/>
+        <p:nvPr/>
+      </p:nvGrpSpPr>
+      <p:grpSpPr>
+        <a:xfrm>
+          <a:off x="0" y="0"/>
+          <a:ext cx="0" cy="0"/>
+          <a:chOff x="0" y="0"/>
+          <a:chExt cx="0" cy="0"/>
+        </a:xfrm>
+      </p:grpSpPr>
+      <p:sp>
+        <p:nvSpPr>
+          <p:cNvPr id="31" name="Rectangle: Rounded Corners 30">
+            <a:extLst>
+              <a:ext uri="{FF2B5EF4-FFF2-40B4-BE49-F238E27FC236}">
+                <a16:creationId xmlns:a16="http://schemas.microsoft.com/office/drawing/2014/main" id="{DBE214B7-70C1-4A03-A545-891FC4A86FE2}"/>
+              </a:ext>
+            </a:extLst>
+          </p:cNvPr>
+          <p:cNvSpPr/>
+          <p:nvPr/>
+        </p:nvSpPr>
+        <p:spPr>
+          <a:xfrm>
+            <a:off x="3103213" y="1880801"/>
+            <a:ext cx="2082959" cy="1179928"/>
+          </a:xfrm>
+          <a:prstGeom prst="roundRect">
+            <a:avLst>
+              <a:gd name="adj" fmla="val 5960"/>
+            </a:avLst>
+          </a:prstGeom>
+          <a:solidFill>
+            <a:schemeClr val="bg1">
+              <a:lumMod val="95000"/>
+            </a:schemeClr>
+          </a:solidFill>
+          <a:ln w="19050" cap="flat" cmpd="sng" algn="ctr">
+            <a:solidFill>
+              <a:schemeClr val="bg2">
+                <a:lumMod val="90000"/>
+              </a:schemeClr>
+            </a:solidFill>
+            <a:prstDash val="sysDash"/>
+            <a:round/>
+            <a:headEnd type="none" w="med" len="med"/>
+            <a:tailEnd type="none" w="med" len="med"/>
+          </a:ln>
+        </p:spPr>
+        <p:style>
+          <a:lnRef idx="0">
+            <a:scrgbClr r="0" g="0" b="0"/>
+          </a:lnRef>
+          <a:fillRef idx="0">
+            <a:scrgbClr r="0" g="0" b="0"/>
+          </a:fillRef>
+          <a:effectRef idx="0">
+            <a:scrgbClr r="0" g="0" b="0"/>
+          </a:effectRef>
+          <a:fontRef idx="minor">
+            <a:schemeClr val="dk1"/>
+          </a:fontRef>
+        </p:style>
+        <p:txBody>
+          <a:bodyPr rtlCol="0" anchor="ctr"/>
+          <a:lstStyle/>
+          <a:p>
+            <a:pPr algn="ctr"/>
+            <a:endParaRPr lang="en-US"/>
+          </a:p>
+        </p:txBody>
+      </p:sp>
+      <p:sp>
+        <p:nvSpPr>
+          <p:cNvPr id="33" name="Rectangle: Rounded Corners 32">
+            <a:extLst>
+              <a:ext uri="{FF2B5EF4-FFF2-40B4-BE49-F238E27FC236}">
+                <a16:creationId xmlns:a16="http://schemas.microsoft.com/office/drawing/2014/main" id="{273B9ADB-7E63-4F02-80DD-028CC11078F9}"/>
+              </a:ext>
+            </a:extLst>
+          </p:cNvPr>
+          <p:cNvSpPr/>
+          <p:nvPr/>
+        </p:nvSpPr>
+        <p:spPr>
+          <a:xfrm>
+            <a:off x="5592254" y="1880799"/>
+            <a:ext cx="2671852" cy="2604936"/>
+          </a:xfrm>
+          <a:prstGeom prst="roundRect">
+            <a:avLst>
+              <a:gd name="adj" fmla="val 5960"/>
+            </a:avLst>
+          </a:prstGeom>
+          <a:solidFill>
+            <a:schemeClr val="bg1">
+              <a:lumMod val="95000"/>
+            </a:schemeClr>
+          </a:solidFill>
+          <a:ln w="19050" cap="flat" cmpd="sng" algn="ctr">
+            <a:solidFill>
+              <a:schemeClr val="bg2">
+                <a:lumMod val="90000"/>
+              </a:schemeClr>
+            </a:solidFill>
+            <a:prstDash val="sysDash"/>
+            <a:round/>
+            <a:headEnd type="none" w="med" len="med"/>
+            <a:tailEnd type="none" w="med" len="med"/>
+          </a:ln>
+        </p:spPr>
+        <p:style>
+          <a:lnRef idx="0">
+            <a:scrgbClr r="0" g="0" b="0"/>
+          </a:lnRef>
+          <a:fillRef idx="0">
+            <a:scrgbClr r="0" g="0" b="0"/>
+          </a:fillRef>
+          <a:effectRef idx="0">
+            <a:scrgbClr r="0" g="0" b="0"/>
+          </a:effectRef>
+          <a:fontRef idx="minor">
+            <a:schemeClr val="dk1"/>
+          </a:fontRef>
+        </p:style>
+        <p:txBody>
+          <a:bodyPr rtlCol="0" anchor="ctr"/>
+          <a:lstStyle/>
+          <a:p>
+            <a:pPr algn="ctr"/>
+            <a:endParaRPr lang="en-US"/>
+          </a:p>
+        </p:txBody>
+      </p:sp>
+      <p:sp>
+        <p:nvSpPr>
+          <p:cNvPr id="18" name="Rectangle: Rounded Corners 17">
+            <a:extLst>
+              <a:ext uri="{FF2B5EF4-FFF2-40B4-BE49-F238E27FC236}">
+                <a16:creationId xmlns:a16="http://schemas.microsoft.com/office/drawing/2014/main" id="{1F0AEC02-1728-4529-8772-1709F272C2F6}"/>
+              </a:ext>
+            </a:extLst>
+          </p:cNvPr>
+          <p:cNvSpPr/>
+          <p:nvPr/>
+        </p:nvSpPr>
+        <p:spPr>
+          <a:xfrm>
+            <a:off x="2605178" y="885609"/>
+            <a:ext cx="9339532" cy="4002693"/>
+          </a:xfrm>
+          <a:custGeom>
+            <a:avLst/>
+            <a:gdLst>
+              <a:gd name="connsiteX0" fmla="*/ 0 w 9339532"/>
+              <a:gd name="connsiteY0" fmla="*/ 238561 h 4002693"/>
+              <a:gd name="connsiteX1" fmla="*/ 238561 w 9339532"/>
+              <a:gd name="connsiteY1" fmla="*/ 0 h 4002693"/>
+              <a:gd name="connsiteX2" fmla="*/ 920285 w 9339532"/>
+              <a:gd name="connsiteY2" fmla="*/ 0 h 4002693"/>
+              <a:gd name="connsiteX3" fmla="*/ 1779257 w 9339532"/>
+              <a:gd name="connsiteY3" fmla="*/ 0 h 4002693"/>
+              <a:gd name="connsiteX4" fmla="*/ 2638229 w 9339532"/>
+              <a:gd name="connsiteY4" fmla="*/ 0 h 4002693"/>
+              <a:gd name="connsiteX5" fmla="*/ 3142705 w 9339532"/>
+              <a:gd name="connsiteY5" fmla="*/ 0 h 4002693"/>
+              <a:gd name="connsiteX6" fmla="*/ 3558556 w 9339532"/>
+              <a:gd name="connsiteY6" fmla="*/ 0 h 4002693"/>
+              <a:gd name="connsiteX7" fmla="*/ 4063032 w 9339532"/>
+              <a:gd name="connsiteY7" fmla="*/ 0 h 4002693"/>
+              <a:gd name="connsiteX8" fmla="*/ 4833380 w 9339532"/>
+              <a:gd name="connsiteY8" fmla="*/ 0 h 4002693"/>
+              <a:gd name="connsiteX9" fmla="*/ 5603728 w 9339532"/>
+              <a:gd name="connsiteY9" fmla="*/ 0 h 4002693"/>
+              <a:gd name="connsiteX10" fmla="*/ 6019579 w 9339532"/>
+              <a:gd name="connsiteY10" fmla="*/ 0 h 4002693"/>
+              <a:gd name="connsiteX11" fmla="*/ 6612679 w 9339532"/>
+              <a:gd name="connsiteY11" fmla="*/ 0 h 4002693"/>
+              <a:gd name="connsiteX12" fmla="*/ 7205779 w 9339532"/>
+              <a:gd name="connsiteY12" fmla="*/ 0 h 4002693"/>
+              <a:gd name="connsiteX13" fmla="*/ 7976127 w 9339532"/>
+              <a:gd name="connsiteY13" fmla="*/ 0 h 4002693"/>
+              <a:gd name="connsiteX14" fmla="*/ 8480602 w 9339532"/>
+              <a:gd name="connsiteY14" fmla="*/ 0 h 4002693"/>
+              <a:gd name="connsiteX15" fmla="*/ 9100971 w 9339532"/>
+              <a:gd name="connsiteY15" fmla="*/ 0 h 4002693"/>
+              <a:gd name="connsiteX16" fmla="*/ 9339532 w 9339532"/>
+              <a:gd name="connsiteY16" fmla="*/ 238561 h 4002693"/>
+              <a:gd name="connsiteX17" fmla="*/ 9339532 w 9339532"/>
+              <a:gd name="connsiteY17" fmla="*/ 790900 h 4002693"/>
+              <a:gd name="connsiteX18" fmla="*/ 9339532 w 9339532"/>
+              <a:gd name="connsiteY18" fmla="*/ 1378496 h 4002693"/>
+              <a:gd name="connsiteX19" fmla="*/ 9339532 w 9339532"/>
+              <a:gd name="connsiteY19" fmla="*/ 1860324 h 4002693"/>
+              <a:gd name="connsiteX20" fmla="*/ 9339532 w 9339532"/>
+              <a:gd name="connsiteY20" fmla="*/ 2447919 h 4002693"/>
+              <a:gd name="connsiteX21" fmla="*/ 9339532 w 9339532"/>
+              <a:gd name="connsiteY21" fmla="*/ 3106025 h 4002693"/>
+              <a:gd name="connsiteX22" fmla="*/ 9339532 w 9339532"/>
+              <a:gd name="connsiteY22" fmla="*/ 3764132 h 4002693"/>
+              <a:gd name="connsiteX23" fmla="*/ 9100971 w 9339532"/>
+              <a:gd name="connsiteY23" fmla="*/ 4002693 h 4002693"/>
+              <a:gd name="connsiteX24" fmla="*/ 8419247 w 9339532"/>
+              <a:gd name="connsiteY24" fmla="*/ 4002693 h 4002693"/>
+              <a:gd name="connsiteX25" fmla="*/ 7560275 w 9339532"/>
+              <a:gd name="connsiteY25" fmla="*/ 4002693 h 4002693"/>
+              <a:gd name="connsiteX26" fmla="*/ 7144424 w 9339532"/>
+              <a:gd name="connsiteY26" fmla="*/ 4002693 h 4002693"/>
+              <a:gd name="connsiteX27" fmla="*/ 6728572 w 9339532"/>
+              <a:gd name="connsiteY27" fmla="*/ 4002693 h 4002693"/>
+              <a:gd name="connsiteX28" fmla="*/ 6135472 w 9339532"/>
+              <a:gd name="connsiteY28" fmla="*/ 4002693 h 4002693"/>
+              <a:gd name="connsiteX29" fmla="*/ 5453748 w 9339532"/>
+              <a:gd name="connsiteY29" fmla="*/ 4002693 h 4002693"/>
+              <a:gd name="connsiteX30" fmla="*/ 4860649 w 9339532"/>
+              <a:gd name="connsiteY30" fmla="*/ 4002693 h 4002693"/>
+              <a:gd name="connsiteX31" fmla="*/ 4090301 w 9339532"/>
+              <a:gd name="connsiteY31" fmla="*/ 4002693 h 4002693"/>
+              <a:gd name="connsiteX32" fmla="*/ 3231329 w 9339532"/>
+              <a:gd name="connsiteY32" fmla="*/ 4002693 h 4002693"/>
+              <a:gd name="connsiteX33" fmla="*/ 2549605 w 9339532"/>
+              <a:gd name="connsiteY33" fmla="*/ 4002693 h 4002693"/>
+              <a:gd name="connsiteX34" fmla="*/ 1956505 w 9339532"/>
+              <a:gd name="connsiteY34" fmla="*/ 4002693 h 4002693"/>
+              <a:gd name="connsiteX35" fmla="*/ 1097533 w 9339532"/>
+              <a:gd name="connsiteY35" fmla="*/ 4002693 h 4002693"/>
+              <a:gd name="connsiteX36" fmla="*/ 238561 w 9339532"/>
+              <a:gd name="connsiteY36" fmla="*/ 4002693 h 4002693"/>
+              <a:gd name="connsiteX37" fmla="*/ 0 w 9339532"/>
+              <a:gd name="connsiteY37" fmla="*/ 3764132 h 4002693"/>
+              <a:gd name="connsiteX38" fmla="*/ 0 w 9339532"/>
+              <a:gd name="connsiteY38" fmla="*/ 3247048 h 4002693"/>
+              <a:gd name="connsiteX39" fmla="*/ 0 w 9339532"/>
+              <a:gd name="connsiteY39" fmla="*/ 2624197 h 4002693"/>
+              <a:gd name="connsiteX40" fmla="*/ 0 w 9339532"/>
+              <a:gd name="connsiteY40" fmla="*/ 2071858 h 4002693"/>
+              <a:gd name="connsiteX41" fmla="*/ 0 w 9339532"/>
+              <a:gd name="connsiteY41" fmla="*/ 1554774 h 4002693"/>
+              <a:gd name="connsiteX42" fmla="*/ 0 w 9339532"/>
+              <a:gd name="connsiteY42" fmla="*/ 896668 h 4002693"/>
+              <a:gd name="connsiteX43" fmla="*/ 0 w 9339532"/>
+              <a:gd name="connsiteY43" fmla="*/ 238561 h 4002693"/>
+            </a:gdLst>
+            <a:ahLst/>
+            <a:cxnLst>
+              <a:cxn ang="0">
+                <a:pos x="connsiteX0" y="connsiteY0"/>
+              </a:cxn>
+              <a:cxn ang="0">
+                <a:pos x="connsiteX1" y="connsiteY1"/>
+              </a:cxn>
+              <a:cxn ang="0">
+                <a:pos x="connsiteX2" y="connsiteY2"/>
+              </a:cxn>
+              <a:cxn ang="0">
+                <a:pos x="connsiteX3" y="connsiteY3"/>
+              </a:cxn>
+              <a:cxn ang="0">
+                <a:pos x="connsiteX4" y="connsiteY4"/>
+              </a:cxn>
+              <a:cxn ang="0">
+                <a:pos x="connsiteX5" y="connsiteY5"/>
+              </a:cxn>
+              <a:cxn ang="0">
+                <a:pos x="connsiteX6" y="connsiteY6"/>
+              </a:cxn>
+              <a:cxn ang="0">
+                <a:pos x="connsiteX7" y="connsiteY7"/>
+              </a:cxn>
+              <a:cxn ang="0">
+                <a:pos x="connsiteX8" y="connsiteY8"/>
+              </a:cxn>
+              <a:cxn ang="0">
+                <a:pos x="connsiteX9" y="connsiteY9"/>
+              </a:cxn>
+              <a:cxn ang="0">
+                <a:pos x="connsiteX10" y="connsiteY10"/>
+              </a:cxn>
+              <a:cxn ang="0">
+                <a:pos x="connsiteX11" y="connsiteY11"/>
+              </a:cxn>
+              <a:cxn ang="0">
+                <a:pos x="connsiteX12" y="connsiteY12"/>
+              </a:cxn>
+              <a:cxn ang="0">
+                <a:pos x="connsiteX13" y="connsiteY13"/>
+              </a:cxn>
+              <a:cxn ang="0">
+                <a:pos x="connsiteX14" y="connsiteY14"/>
+              </a:cxn>
+              <a:cxn ang="0">
+                <a:pos x="connsiteX15" y="connsiteY15"/>
+              </a:cxn>
+              <a:cxn ang="0">
+                <a:pos x="connsiteX16" y="connsiteY16"/>
+              </a:cxn>
+              <a:cxn ang="0">
+                <a:pos x="connsiteX17" y="connsiteY17"/>
+              </a:cxn>
+              <a:cxn ang="0">
+                <a:pos x="connsiteX18" y="connsiteY18"/>
+              </a:cxn>
+              <a:cxn ang="0">
+                <a:pos x="connsiteX19" y="connsiteY19"/>
+              </a:cxn>
+              <a:cxn ang="0">
+                <a:pos x="connsiteX20" y="connsiteY20"/>
+              </a:cxn>
+              <a:cxn ang="0">
+                <a:pos x="connsiteX21" y="connsiteY21"/>
+              </a:cxn>
+              <a:cxn ang="0">
+                <a:pos x="connsiteX22" y="connsiteY22"/>
+              </a:cxn>
+              <a:cxn ang="0">
+                <a:pos x="connsiteX23" y="connsiteY23"/>
+              </a:cxn>
+              <a:cxn ang="0">
+                <a:pos x="connsiteX24" y="connsiteY24"/>
+              </a:cxn>
+              <a:cxn ang="0">
+                <a:pos x="connsiteX25" y="connsiteY25"/>
+              </a:cxn>
+              <a:cxn ang="0">
+                <a:pos x="connsiteX26" y="connsiteY26"/>
+              </a:cxn>
+              <a:cxn ang="0">
+                <a:pos x="connsiteX27" y="connsiteY27"/>
+              </a:cxn>
+              <a:cxn ang="0">
+                <a:pos x="connsiteX28" y="connsiteY28"/>
+              </a:cxn>
+              <a:cxn ang="0">
+                <a:pos x="connsiteX29" y="connsiteY29"/>
+              </a:cxn>
+              <a:cxn ang="0">
+                <a:pos x="connsiteX30" y="connsiteY30"/>
+              </a:cxn>
+              <a:cxn ang="0">
+                <a:pos x="connsiteX31" y="connsiteY31"/>
+              </a:cxn>
+              <a:cxn ang="0">
+                <a:pos x="connsiteX32" y="connsiteY32"/>
+              </a:cxn>
+              <a:cxn ang="0">
+                <a:pos x="connsiteX33" y="connsiteY33"/>
+              </a:cxn>
+              <a:cxn ang="0">
+                <a:pos x="connsiteX34" y="connsiteY34"/>
+              </a:cxn>
+              <a:cxn ang="0">
+                <a:pos x="connsiteX35" y="connsiteY35"/>
+              </a:cxn>
+              <a:cxn ang="0">
+                <a:pos x="connsiteX36" y="connsiteY36"/>
+              </a:cxn>
+              <a:cxn ang="0">
+                <a:pos x="connsiteX37" y="connsiteY37"/>
+              </a:cxn>
+              <a:cxn ang="0">
+                <a:pos x="connsiteX38" y="connsiteY38"/>
+              </a:cxn>
+              <a:cxn ang="0">
+                <a:pos x="connsiteX39" y="connsiteY39"/>
+              </a:cxn>
+              <a:cxn ang="0">
+                <a:pos x="connsiteX40" y="connsiteY40"/>
+              </a:cxn>
+              <a:cxn ang="0">
+                <a:pos x="connsiteX41" y="connsiteY41"/>
+              </a:cxn>
+              <a:cxn ang="0">
+                <a:pos x="connsiteX42" y="connsiteY42"/>
+              </a:cxn>
+              <a:cxn ang="0">
+                <a:pos x="connsiteX43" y="connsiteY43"/>
+              </a:cxn>
+            </a:cxnLst>
+            <a:rect l="l" t="t" r="r" b="b"/>
+            <a:pathLst>
+              <a:path w="9339532" h="4002693" extrusionOk="0">
+                <a:moveTo>
+                  <a:pt x="0" y="238561"/>
+                </a:moveTo>
+                <a:cubicBezTo>
+                  <a:pt x="-7251" y="119529"/>
+                  <a:pt x="101056" y="-2375"/>
+                  <a:pt x="238561" y="0"/>
+                </a:cubicBezTo>
+                <a:cubicBezTo>
+                  <a:pt x="375116" y="7370"/>
+                  <a:pt x="736106" y="28706"/>
+                  <a:pt x="920285" y="0"/>
+                </a:cubicBezTo>
+                <a:cubicBezTo>
+                  <a:pt x="1104464" y="-28706"/>
+                  <a:pt x="1601364" y="23155"/>
+                  <a:pt x="1779257" y="0"/>
+                </a:cubicBezTo>
+                <a:cubicBezTo>
+                  <a:pt x="1957150" y="-23155"/>
+                  <a:pt x="2373635" y="21980"/>
+                  <a:pt x="2638229" y="0"/>
+                </a:cubicBezTo>
+                <a:cubicBezTo>
+                  <a:pt x="2902823" y="-21980"/>
+                  <a:pt x="2941225" y="-10847"/>
+                  <a:pt x="3142705" y="0"/>
+                </a:cubicBezTo>
+                <a:cubicBezTo>
+                  <a:pt x="3344185" y="10847"/>
+                  <a:pt x="3426743" y="9037"/>
+                  <a:pt x="3558556" y="0"/>
+                </a:cubicBezTo>
+                <a:cubicBezTo>
+                  <a:pt x="3690369" y="-9037"/>
+                  <a:pt x="3918553" y="12510"/>
+                  <a:pt x="4063032" y="0"/>
+                </a:cubicBezTo>
+                <a:cubicBezTo>
+                  <a:pt x="4207511" y="-12510"/>
+                  <a:pt x="4529417" y="1638"/>
+                  <a:pt x="4833380" y="0"/>
+                </a:cubicBezTo>
+                <a:cubicBezTo>
+                  <a:pt x="5137343" y="-1638"/>
+                  <a:pt x="5415008" y="-36595"/>
+                  <a:pt x="5603728" y="0"/>
+                </a:cubicBezTo>
+                <a:cubicBezTo>
+                  <a:pt x="5792448" y="36595"/>
+                  <a:pt x="5832256" y="-11336"/>
+                  <a:pt x="6019579" y="0"/>
+                </a:cubicBezTo>
+                <a:cubicBezTo>
+                  <a:pt x="6206902" y="11336"/>
+                  <a:pt x="6464564" y="3585"/>
+                  <a:pt x="6612679" y="0"/>
+                </a:cubicBezTo>
+                <a:cubicBezTo>
+                  <a:pt x="6760794" y="-3585"/>
+                  <a:pt x="6999938" y="14422"/>
+                  <a:pt x="7205779" y="0"/>
+                </a:cubicBezTo>
+                <a:cubicBezTo>
+                  <a:pt x="7411620" y="-14422"/>
+                  <a:pt x="7603692" y="19502"/>
+                  <a:pt x="7976127" y="0"/>
+                </a:cubicBezTo>
+                <a:cubicBezTo>
+                  <a:pt x="8348562" y="-19502"/>
+                  <a:pt x="8344262" y="10351"/>
+                  <a:pt x="8480602" y="0"/>
+                </a:cubicBezTo>
+                <a:cubicBezTo>
+                  <a:pt x="8616942" y="-10351"/>
+                  <a:pt x="8816637" y="28569"/>
+                  <a:pt x="9100971" y="0"/>
+                </a:cubicBezTo>
+                <a:cubicBezTo>
+                  <a:pt x="9238961" y="4225"/>
+                  <a:pt x="9335730" y="117854"/>
+                  <a:pt x="9339532" y="238561"/>
+                </a:cubicBezTo>
+                <a:cubicBezTo>
+                  <a:pt x="9341892" y="412421"/>
+                  <a:pt x="9325781" y="618984"/>
+                  <a:pt x="9339532" y="790900"/>
+                </a:cubicBezTo>
+                <a:cubicBezTo>
+                  <a:pt x="9353283" y="962816"/>
+                  <a:pt x="9365547" y="1112794"/>
+                  <a:pt x="9339532" y="1378496"/>
+                </a:cubicBezTo>
+                <a:cubicBezTo>
+                  <a:pt x="9313517" y="1644198"/>
+                  <a:pt x="9361313" y="1665208"/>
+                  <a:pt x="9339532" y="1860324"/>
+                </a:cubicBezTo>
+                <a:cubicBezTo>
+                  <a:pt x="9317751" y="2055440"/>
+                  <a:pt x="9365769" y="2257708"/>
+                  <a:pt x="9339532" y="2447919"/>
+                </a:cubicBezTo>
+                <a:cubicBezTo>
+                  <a:pt x="9313295" y="2638131"/>
+                  <a:pt x="9347386" y="2924372"/>
+                  <a:pt x="9339532" y="3106025"/>
+                </a:cubicBezTo>
+                <a:cubicBezTo>
+                  <a:pt x="9331678" y="3287678"/>
+                  <a:pt x="9357906" y="3577162"/>
+                  <a:pt x="9339532" y="3764132"/>
+                </a:cubicBezTo>
+                <a:cubicBezTo>
+                  <a:pt x="9360810" y="3879423"/>
+                  <a:pt x="9231622" y="4006723"/>
+                  <a:pt x="9100971" y="4002693"/>
+                </a:cubicBezTo>
+                <a:cubicBezTo>
+                  <a:pt x="8872286" y="4020970"/>
+                  <a:pt x="8613158" y="4005573"/>
+                  <a:pt x="8419247" y="4002693"/>
+                </a:cubicBezTo>
+                <a:cubicBezTo>
+                  <a:pt x="8225336" y="3999813"/>
+                  <a:pt x="7937880" y="3983636"/>
+                  <a:pt x="7560275" y="4002693"/>
+                </a:cubicBezTo>
+                <a:cubicBezTo>
+                  <a:pt x="7182670" y="4021750"/>
+                  <a:pt x="7301527" y="4001950"/>
+                  <a:pt x="7144424" y="4002693"/>
+                </a:cubicBezTo>
+                <a:cubicBezTo>
+                  <a:pt x="6987321" y="4003436"/>
+                  <a:pt x="6881712" y="4022062"/>
+                  <a:pt x="6728572" y="4002693"/>
+                </a:cubicBezTo>
+                <a:cubicBezTo>
+                  <a:pt x="6575432" y="3983324"/>
+                  <a:pt x="6289958" y="3998403"/>
+                  <a:pt x="6135472" y="4002693"/>
+                </a:cubicBezTo>
+                <a:cubicBezTo>
+                  <a:pt x="5980986" y="4006983"/>
+                  <a:pt x="5646788" y="4025286"/>
+                  <a:pt x="5453748" y="4002693"/>
+                </a:cubicBezTo>
+                <a:cubicBezTo>
+                  <a:pt x="5260708" y="3980100"/>
+                  <a:pt x="5052707" y="4023873"/>
+                  <a:pt x="4860649" y="4002693"/>
+                </a:cubicBezTo>
+                <a:cubicBezTo>
+                  <a:pt x="4668591" y="3981513"/>
+                  <a:pt x="4451613" y="4028056"/>
+                  <a:pt x="4090301" y="4002693"/>
+                </a:cubicBezTo>
+                <a:cubicBezTo>
+                  <a:pt x="3728989" y="3977330"/>
+                  <a:pt x="3420568" y="3985698"/>
+                  <a:pt x="3231329" y="4002693"/>
+                </a:cubicBezTo>
+                <a:cubicBezTo>
+                  <a:pt x="3042090" y="4019688"/>
+                  <a:pt x="2757665" y="3996979"/>
+                  <a:pt x="2549605" y="4002693"/>
+                </a:cubicBezTo>
+                <a:cubicBezTo>
+                  <a:pt x="2341545" y="4008407"/>
+                  <a:pt x="2219189" y="3988776"/>
+                  <a:pt x="1956505" y="4002693"/>
+                </a:cubicBezTo>
+                <a:cubicBezTo>
+                  <a:pt x="1693821" y="4016610"/>
+                  <a:pt x="1452784" y="4007753"/>
+                  <a:pt x="1097533" y="4002693"/>
+                </a:cubicBezTo>
+                <a:cubicBezTo>
+                  <a:pt x="742282" y="3997633"/>
+                  <a:pt x="649228" y="4023593"/>
+                  <a:pt x="238561" y="4002693"/>
+                </a:cubicBezTo>
+                <a:cubicBezTo>
+                  <a:pt x="103206" y="4002097"/>
+                  <a:pt x="-19238" y="3889609"/>
+                  <a:pt x="0" y="3764132"/>
+                </a:cubicBezTo>
+                <a:cubicBezTo>
+                  <a:pt x="15958" y="3597922"/>
+                  <a:pt x="15371" y="3455143"/>
+                  <a:pt x="0" y="3247048"/>
+                </a:cubicBezTo>
+                <a:cubicBezTo>
+                  <a:pt x="-15371" y="3038953"/>
+                  <a:pt x="-13208" y="2791065"/>
+                  <a:pt x="0" y="2624197"/>
+                </a:cubicBezTo>
+                <a:cubicBezTo>
+                  <a:pt x="13208" y="2457329"/>
+                  <a:pt x="-9994" y="2224504"/>
+                  <a:pt x="0" y="2071858"/>
+                </a:cubicBezTo>
+                <a:cubicBezTo>
+                  <a:pt x="9994" y="1919212"/>
+                  <a:pt x="-9779" y="1693070"/>
+                  <a:pt x="0" y="1554774"/>
+                </a:cubicBezTo>
+                <a:cubicBezTo>
+                  <a:pt x="9779" y="1416478"/>
+                  <a:pt x="24988" y="1099819"/>
+                  <a:pt x="0" y="896668"/>
+                </a:cubicBezTo>
+                <a:cubicBezTo>
+                  <a:pt x="-24988" y="693517"/>
+                  <a:pt x="3547" y="506343"/>
+                  <a:pt x="0" y="238561"/>
+                </a:cubicBezTo>
+                <a:close/>
+              </a:path>
+            </a:pathLst>
+          </a:custGeom>
+          <a:noFill/>
+          <a:ln w="38100" cap="flat" cmpd="sng" algn="ctr">
+            <a:solidFill>
+              <a:schemeClr val="dk1"/>
+            </a:solidFill>
+            <a:prstDash val="solid"/>
+            <a:round/>
+            <a:headEnd type="none" w="med" len="med"/>
+            <a:tailEnd type="none" w="med" len="med"/>
+            <a:extLst>
+              <a:ext uri="{C807C97D-BFC1-408E-A445-0C87EB9F89A2}">
+                <ask:lineSketchStyleProps xmlns:ask="http://schemas.microsoft.com/office/drawing/2018/sketchyshapes" sd="981765707">
+                  <a:prstGeom prst="roundRect">
+                    <a:avLst>
+                      <a:gd name="adj" fmla="val 5960"/>
+                    </a:avLst>
+                  </a:prstGeom>
+                  <ask:type>
+                    <ask:lineSketchFreehand/>
+                  </ask:type>
+                </ask:lineSketchStyleProps>
+              </a:ext>
+            </a:extLst>
+          </a:ln>
+        </p:spPr>
+        <p:style>
+          <a:lnRef idx="0">
+            <a:scrgbClr r="0" g="0" b="0"/>
+          </a:lnRef>
+          <a:fillRef idx="0">
+            <a:scrgbClr r="0" g="0" b="0"/>
+          </a:fillRef>
+          <a:effectRef idx="0">
+            <a:scrgbClr r="0" g="0" b="0"/>
+          </a:effectRef>
+          <a:fontRef idx="minor">
+            <a:schemeClr val="dk1"/>
+          </a:fontRef>
+        </p:style>
+        <p:txBody>
+          <a:bodyPr rtlCol="0" anchor="ctr"/>
+          <a:lstStyle/>
+          <a:p>
+            <a:pPr algn="ctr"/>
+            <a:endParaRPr lang="en-US"/>
+          </a:p>
+        </p:txBody>
+      </p:sp>
+      <p:pic>
+        <p:nvPicPr>
+          <p:cNvPr id="11" name="Graphic 10">
+            <a:extLst>
+              <a:ext uri="{FF2B5EF4-FFF2-40B4-BE49-F238E27FC236}">
+                <a16:creationId xmlns:a16="http://schemas.microsoft.com/office/drawing/2014/main" id="{CD9A2C64-E77D-4F5C-8395-9B2798C8C38A}"/>
+              </a:ext>
+            </a:extLst>
+          </p:cNvPr>
+          <p:cNvPicPr>
+            <a:picLocks noChangeAspect="1"/>
+          </p:cNvPicPr>
+          <p:nvPr/>
+        </p:nvPicPr>
+        <p:blipFill>
+          <a:blip r:embed="rId3">
+            <a:extLst>
+              <a:ext uri="{28A0092B-C50C-407E-A947-70E740481C1C}">
+                <a14:useLocalDpi xmlns:a14="http://schemas.microsoft.com/office/drawing/2010/main" val="0"/>
+              </a:ext>
+              <a:ext uri="{96DAC541-7B7A-43D3-8B79-37D633B846F1}">
+                <asvg:svgBlip xmlns:asvg="http://schemas.microsoft.com/office/drawing/2016/SVG/main" r:embed="rId4"/>
+              </a:ext>
+            </a:extLst>
+          </a:blip>
+          <a:stretch>
+            <a:fillRect/>
+          </a:stretch>
+        </p:blipFill>
+        <p:spPr>
+          <a:xfrm>
+            <a:off x="3169311" y="1904143"/>
+            <a:ext cx="365760" cy="365760"/>
+          </a:xfrm>
+          <a:prstGeom prst="rect">
+            <a:avLst/>
+          </a:prstGeom>
+        </p:spPr>
+      </p:pic>
+      <p:pic>
+        <p:nvPicPr>
+          <p:cNvPr id="13" name="Graphic 12">
+            <a:extLst>
+              <a:ext uri="{FF2B5EF4-FFF2-40B4-BE49-F238E27FC236}">
+                <a16:creationId xmlns:a16="http://schemas.microsoft.com/office/drawing/2014/main" id="{8B073AC8-F7BE-4E13-AAB2-F7CFE6FE300C}"/>
+              </a:ext>
+            </a:extLst>
+          </p:cNvPr>
+          <p:cNvPicPr>
+            <a:picLocks noChangeAspect="1"/>
+          </p:cNvPicPr>
+          <p:nvPr/>
+        </p:nvPicPr>
+        <p:blipFill>
+          <a:blip r:embed="rId5">
+            <a:extLst>
+              <a:ext uri="{28A0092B-C50C-407E-A947-70E740481C1C}">
+                <a14:useLocalDpi xmlns:a14="http://schemas.microsoft.com/office/drawing/2010/main" val="0"/>
+              </a:ext>
+              <a:ext uri="{96DAC541-7B7A-43D3-8B79-37D633B846F1}">
+                <asvg:svgBlip xmlns:asvg="http://schemas.microsoft.com/office/drawing/2016/SVG/main" r:embed="rId6"/>
+              </a:ext>
+            </a:extLst>
+          </a:blip>
+          <a:stretch>
+            <a:fillRect/>
+          </a:stretch>
+        </p:blipFill>
+        <p:spPr>
+          <a:xfrm>
+            <a:off x="5653756" y="1904143"/>
+            <a:ext cx="365760" cy="365760"/>
+          </a:xfrm>
+          <a:prstGeom prst="rect">
+            <a:avLst/>
+          </a:prstGeom>
+        </p:spPr>
+      </p:pic>
+      <p:grpSp>
+        <p:nvGrpSpPr>
+          <p:cNvPr id="23" name="Group 22">
+            <a:extLst>
+              <a:ext uri="{FF2B5EF4-FFF2-40B4-BE49-F238E27FC236}">
+                <a16:creationId xmlns:a16="http://schemas.microsoft.com/office/drawing/2014/main" id="{FEE5CD91-13C3-4EBD-977F-5811580491A2}"/>
+              </a:ext>
+            </a:extLst>
+          </p:cNvPr>
+          <p:cNvGrpSpPr/>
+          <p:nvPr/>
+        </p:nvGrpSpPr>
+        <p:grpSpPr>
+          <a:xfrm>
+            <a:off x="2387794" y="540923"/>
+            <a:ext cx="640080" cy="640080"/>
+            <a:chOff x="1495785" y="979638"/>
+            <a:chExt cx="640080" cy="640080"/>
+          </a:xfrm>
+        </p:grpSpPr>
+        <p:sp>
+          <p:nvSpPr>
+            <p:cNvPr id="21" name="Rectangle 20">
+              <a:extLst>
+                <a:ext uri="{FF2B5EF4-FFF2-40B4-BE49-F238E27FC236}">
+                  <a16:creationId xmlns:a16="http://schemas.microsoft.com/office/drawing/2014/main" id="{0AE5BBDB-DC1B-48B6-9F6F-627D963F8018}"/>
+                </a:ext>
+              </a:extLst>
+            </p:cNvPr>
+            <p:cNvSpPr/>
+            <p:nvPr/>
+          </p:nvSpPr>
+          <p:spPr>
+            <a:xfrm>
+              <a:off x="1495785" y="979638"/>
+              <a:ext cx="640080" cy="640080"/>
+            </a:xfrm>
+            <a:prstGeom prst="rect">
+              <a:avLst/>
+            </a:prstGeom>
+            <a:ln>
+              <a:noFill/>
+            </a:ln>
+          </p:spPr>
+          <p:style>
+            <a:lnRef idx="2">
+              <a:schemeClr val="dk1"/>
+            </a:lnRef>
+            <a:fillRef idx="1">
+              <a:schemeClr val="lt1"/>
+            </a:fillRef>
+            <a:effectRef idx="0">
+              <a:schemeClr val="dk1"/>
+            </a:effectRef>
+            <a:fontRef idx="minor">
+              <a:schemeClr val="dk1"/>
+            </a:fontRef>
+          </p:style>
+          <p:txBody>
+            <a:bodyPr rtlCol="0" anchor="ctr"/>
+            <a:lstStyle/>
+            <a:p>
+              <a:pPr algn="ctr"/>
+              <a:endParaRPr lang="en-US"/>
+            </a:p>
+          </p:txBody>
+        </p:sp>
+        <p:pic>
+          <p:nvPicPr>
+            <p:cNvPr id="17" name="Graphic 16">
+              <a:extLst>
+                <a:ext uri="{FF2B5EF4-FFF2-40B4-BE49-F238E27FC236}">
+                  <a16:creationId xmlns:a16="http://schemas.microsoft.com/office/drawing/2014/main" id="{4AF0D685-5C19-417E-AC0B-D48013ECA4FF}"/>
+                </a:ext>
+              </a:extLst>
+            </p:cNvPr>
+            <p:cNvPicPr>
+              <a:picLocks noChangeAspect="1"/>
+            </p:cNvPicPr>
+            <p:nvPr/>
+          </p:nvPicPr>
+          <p:blipFill>
+            <a:blip r:embed="rId7">
+              <a:extLst>
+                <a:ext uri="{28A0092B-C50C-407E-A947-70E740481C1C}">
+                  <a14:useLocalDpi xmlns:a14="http://schemas.microsoft.com/office/drawing/2010/main" val="0"/>
+                </a:ext>
+                <a:ext uri="{96DAC541-7B7A-43D3-8B79-37D633B846F1}">
+                  <asvg:svgBlip xmlns:asvg="http://schemas.microsoft.com/office/drawing/2016/SVG/main" r:embed="rId8"/>
+                </a:ext>
+              </a:extLst>
+            </a:blip>
+            <a:stretch>
+              <a:fillRect/>
+            </a:stretch>
+          </p:blipFill>
+          <p:spPr>
+            <a:xfrm>
+              <a:off x="1495785" y="979638"/>
+              <a:ext cx="640080" cy="640080"/>
+            </a:xfrm>
+            <a:prstGeom prst="rect">
+              <a:avLst/>
+            </a:prstGeom>
+          </p:spPr>
+        </p:pic>
+      </p:grpSp>
+      <p:sp>
+        <p:nvSpPr>
+          <p:cNvPr id="29" name="Rectangle: Rounded Corners 28">
+            <a:extLst>
+              <a:ext uri="{FF2B5EF4-FFF2-40B4-BE49-F238E27FC236}">
+                <a16:creationId xmlns:a16="http://schemas.microsoft.com/office/drawing/2014/main" id="{22689092-0B6A-45F2-8D0D-CB75433221F5}"/>
+              </a:ext>
+            </a:extLst>
+          </p:cNvPr>
+          <p:cNvSpPr/>
+          <p:nvPr/>
+        </p:nvSpPr>
+        <p:spPr>
+          <a:xfrm>
+            <a:off x="2689107" y="1261643"/>
+            <a:ext cx="9152086" cy="3540396"/>
+          </a:xfrm>
+          <a:prstGeom prst="roundRect">
+            <a:avLst>
+              <a:gd name="adj" fmla="val 5960"/>
+            </a:avLst>
+          </a:prstGeom>
+          <a:noFill/>
+          <a:ln w="19050" cap="flat" cmpd="sng" algn="ctr">
+            <a:solidFill>
+              <a:schemeClr val="bg2">
+                <a:lumMod val="90000"/>
+              </a:schemeClr>
+            </a:solidFill>
+            <a:prstDash val="sysDash"/>
+            <a:round/>
+            <a:headEnd type="none" w="med" len="med"/>
+            <a:tailEnd type="none" w="med" len="med"/>
+          </a:ln>
+        </p:spPr>
+        <p:style>
+          <a:lnRef idx="0">
+            <a:scrgbClr r="0" g="0" b="0"/>
+          </a:lnRef>
+          <a:fillRef idx="0">
+            <a:scrgbClr r="0" g="0" b="0"/>
+          </a:fillRef>
+          <a:effectRef idx="0">
+            <a:scrgbClr r="0" g="0" b="0"/>
+          </a:effectRef>
+          <a:fontRef idx="minor">
+            <a:schemeClr val="dk1"/>
+          </a:fontRef>
+        </p:style>
+        <p:txBody>
+          <a:bodyPr rtlCol="0" anchor="ctr"/>
+          <a:lstStyle/>
+          <a:p>
+            <a:pPr algn="ctr"/>
+            <a:endParaRPr lang="en-US"/>
+          </a:p>
+        </p:txBody>
+      </p:sp>
+      <p:pic>
+        <p:nvPicPr>
+          <p:cNvPr id="7" name="Graphic 6">
+            <a:extLst>
+              <a:ext uri="{FF2B5EF4-FFF2-40B4-BE49-F238E27FC236}">
+                <a16:creationId xmlns:a16="http://schemas.microsoft.com/office/drawing/2014/main" id="{8F08A1E9-7311-4419-ADFE-94E14DF80E83}"/>
+              </a:ext>
+            </a:extLst>
+          </p:cNvPr>
+          <p:cNvPicPr>
+            <a:picLocks noChangeAspect="1"/>
+          </p:cNvPicPr>
+          <p:nvPr/>
+        </p:nvPicPr>
+        <p:blipFill>
+          <a:blip r:embed="rId9">
+            <a:extLst>
+              <a:ext uri="{28A0092B-C50C-407E-A947-70E740481C1C}">
+                <a14:useLocalDpi xmlns:a14="http://schemas.microsoft.com/office/drawing/2010/main" val="0"/>
+              </a:ext>
+              <a:ext uri="{96DAC541-7B7A-43D3-8B79-37D633B846F1}">
+                <asvg:svgBlip xmlns:asvg="http://schemas.microsoft.com/office/drawing/2016/SVG/main" r:embed="rId10"/>
+              </a:ext>
+            </a:extLst>
+          </a:blip>
+          <a:stretch>
+            <a:fillRect/>
+          </a:stretch>
+        </p:blipFill>
+        <p:spPr>
+          <a:xfrm>
+            <a:off x="2746078" y="1311693"/>
+            <a:ext cx="365760" cy="365760"/>
+          </a:xfrm>
+          <a:prstGeom prst="rect">
+            <a:avLst/>
+          </a:prstGeom>
+        </p:spPr>
+      </p:pic>
+      <p:pic>
+        <p:nvPicPr>
+          <p:cNvPr id="9" name="Graphic 8">
+            <a:extLst>
+              <a:ext uri="{FF2B5EF4-FFF2-40B4-BE49-F238E27FC236}">
+                <a16:creationId xmlns:a16="http://schemas.microsoft.com/office/drawing/2014/main" id="{A77850E5-1718-4CD0-B1B6-26F79EAD50E1}"/>
+              </a:ext>
+            </a:extLst>
+          </p:cNvPr>
+          <p:cNvPicPr>
+            <a:picLocks noChangeAspect="1"/>
+          </p:cNvPicPr>
+          <p:nvPr/>
+        </p:nvPicPr>
+        <p:blipFill>
+          <a:blip r:embed="rId11">
+            <a:extLst>
+              <a:ext uri="{28A0092B-C50C-407E-A947-70E740481C1C}">
+                <a14:useLocalDpi xmlns:a14="http://schemas.microsoft.com/office/drawing/2010/main" val="0"/>
+              </a:ext>
+              <a:ext uri="{96DAC541-7B7A-43D3-8B79-37D633B846F1}">
+                <asvg:svgBlip xmlns:asvg="http://schemas.microsoft.com/office/drawing/2016/SVG/main" r:embed="rId12"/>
+              </a:ext>
+            </a:extLst>
+          </a:blip>
+          <a:stretch>
+            <a:fillRect/>
+          </a:stretch>
+        </p:blipFill>
+        <p:spPr>
+          <a:xfrm>
+            <a:off x="3401313" y="1311693"/>
+            <a:ext cx="365760" cy="365760"/>
+          </a:xfrm>
+          <a:prstGeom prst="rect">
+            <a:avLst/>
+          </a:prstGeom>
+        </p:spPr>
+      </p:pic>
+      <p:sp>
+        <p:nvSpPr>
+          <p:cNvPr id="24" name="TextBox 23">
+            <a:extLst>
+              <a:ext uri="{FF2B5EF4-FFF2-40B4-BE49-F238E27FC236}">
+                <a16:creationId xmlns:a16="http://schemas.microsoft.com/office/drawing/2014/main" id="{487B5B75-06AE-4033-A7C6-BD8F03CC7332}"/>
+              </a:ext>
+            </a:extLst>
+          </p:cNvPr>
+          <p:cNvSpPr txBox="1"/>
+          <p:nvPr/>
+        </p:nvSpPr>
+        <p:spPr>
+          <a:xfrm>
+            <a:off x="3046729" y="1262401"/>
+            <a:ext cx="354584" cy="461665"/>
+          </a:xfrm>
+          <a:prstGeom prst="rect">
+            <a:avLst/>
+          </a:prstGeom>
+          <a:noFill/>
+        </p:spPr>
+        <p:txBody>
+          <a:bodyPr wrap="none" rtlCol="0">
+            <a:spAutoFit/>
+          </a:bodyPr>
+          <a:lstStyle/>
+          <a:p>
+            <a:r>
+              <a:rPr lang="en-US" sz="2400" dirty="0">
+                <a:latin typeface="Consolas" panose="020B0609020204030204" pitchFamily="49" charset="0"/>
+              </a:rPr>
+              <a:t>&gt;</a:t>
+            </a:r>
+          </a:p>
+        </p:txBody>
+      </p:sp>
+      <p:sp>
+        <p:nvSpPr>
+          <p:cNvPr id="39" name="TextBox 38">
+            <a:extLst>
+              <a:ext uri="{FF2B5EF4-FFF2-40B4-BE49-F238E27FC236}">
+                <a16:creationId xmlns:a16="http://schemas.microsoft.com/office/drawing/2014/main" id="{66CAA0CF-190A-4EA3-B436-AE0BBE227E71}"/>
+              </a:ext>
+            </a:extLst>
+          </p:cNvPr>
+          <p:cNvSpPr txBox="1"/>
+          <p:nvPr/>
+        </p:nvSpPr>
+        <p:spPr>
+          <a:xfrm>
+            <a:off x="3767073" y="1354733"/>
+            <a:ext cx="1374094" cy="276999"/>
+          </a:xfrm>
+          <a:prstGeom prst="rect">
+            <a:avLst/>
+          </a:prstGeom>
+          <a:noFill/>
+        </p:spPr>
+        <p:txBody>
+          <a:bodyPr wrap="none" rtlCol="0">
+            <a:spAutoFit/>
+          </a:bodyPr>
+          <a:lstStyle/>
+          <a:p>
+            <a:r>
+              <a:rPr lang="en-US" sz="1200" dirty="0">
+                <a:latin typeface="Consolas" panose="020B0609020204030204" pitchFamily="49" charset="0"/>
+              </a:rPr>
+              <a:t>Resource Group</a:t>
+            </a:r>
+          </a:p>
+        </p:txBody>
+      </p:sp>
+      <p:sp>
+        <p:nvSpPr>
+          <p:cNvPr id="41" name="TextBox 40">
+            <a:extLst>
+              <a:ext uri="{FF2B5EF4-FFF2-40B4-BE49-F238E27FC236}">
+                <a16:creationId xmlns:a16="http://schemas.microsoft.com/office/drawing/2014/main" id="{A757A5C5-6435-46A9-A56A-21A1B01BED88}"/>
+              </a:ext>
+            </a:extLst>
+          </p:cNvPr>
+          <p:cNvSpPr txBox="1"/>
+          <p:nvPr/>
+        </p:nvSpPr>
+        <p:spPr>
+          <a:xfrm>
+            <a:off x="3535071" y="1921955"/>
+            <a:ext cx="1535998" cy="1138773"/>
+          </a:xfrm>
+          <a:prstGeom prst="rect">
+            <a:avLst/>
+          </a:prstGeom>
+          <a:noFill/>
+        </p:spPr>
+        <p:txBody>
+          <a:bodyPr wrap="none" rtlCol="0">
+            <a:spAutoFit/>
+          </a:bodyPr>
+          <a:lstStyle/>
+          <a:p>
+            <a:r>
+              <a:rPr lang="en-US" sz="1200" dirty="0">
+                <a:latin typeface="Consolas" panose="020B0609020204030204" pitchFamily="49" charset="0"/>
+              </a:rPr>
+              <a:t>Storage Account</a:t>
+            </a:r>
+          </a:p>
+          <a:p>
+            <a:r>
+              <a:rPr lang="en-US" sz="800" dirty="0">
+                <a:solidFill>
+                  <a:schemeClr val="tx1">
+                    <a:lumMod val="50000"/>
+                    <a:lumOff val="50000"/>
+                  </a:schemeClr>
+                </a:solidFill>
+                <a:latin typeface="Consolas" panose="020B0609020204030204" pitchFamily="49" charset="0"/>
+              </a:rPr>
+              <a:t>Hosts the files</a:t>
+            </a:r>
+          </a:p>
+          <a:p>
+            <a:endParaRPr lang="en-US" sz="800" dirty="0">
+              <a:solidFill>
+                <a:schemeClr val="tx1">
+                  <a:lumMod val="50000"/>
+                  <a:lumOff val="50000"/>
+                </a:schemeClr>
+              </a:solidFill>
+              <a:latin typeface="Consolas" panose="020B0609020204030204" pitchFamily="49" charset="0"/>
+            </a:endParaRPr>
+          </a:p>
+          <a:p>
+            <a:endParaRPr lang="en-US" sz="800" dirty="0">
+              <a:solidFill>
+                <a:schemeClr val="tx1">
+                  <a:lumMod val="50000"/>
+                  <a:lumOff val="50000"/>
+                </a:schemeClr>
+              </a:solidFill>
+              <a:latin typeface="Consolas" panose="020B0609020204030204" pitchFamily="49" charset="0"/>
+            </a:endParaRPr>
+          </a:p>
+          <a:p>
+            <a:r>
+              <a:rPr lang="en-US" sz="800" b="1" dirty="0">
+                <a:solidFill>
+                  <a:sysClr val="windowText" lastClr="000000"/>
+                </a:solidFill>
+                <a:latin typeface="Consolas" panose="020B0609020204030204" pitchFamily="49" charset="0"/>
+              </a:rPr>
+              <a:t>Static Website </a:t>
+            </a:r>
+            <a:r>
+              <a:rPr lang="en-US" sz="800" dirty="0">
+                <a:solidFill>
+                  <a:sysClr val="windowText" lastClr="000000"/>
+                </a:solidFill>
+                <a:latin typeface="Consolas" panose="020B0609020204030204" pitchFamily="49" charset="0"/>
+              </a:rPr>
+              <a:t>enabled</a:t>
+            </a:r>
+          </a:p>
+          <a:p>
+            <a:pPr marL="171450" indent="-171450">
+              <a:buFontTx/>
+              <a:buChar char="-"/>
+            </a:pPr>
+            <a:r>
+              <a:rPr lang="en-US" sz="800" dirty="0">
+                <a:solidFill>
+                  <a:schemeClr val="tx1">
+                    <a:lumMod val="50000"/>
+                    <a:lumOff val="50000"/>
+                  </a:schemeClr>
+                </a:solidFill>
+                <a:latin typeface="Consolas" panose="020B0609020204030204" pitchFamily="49" charset="0"/>
+              </a:rPr>
+              <a:t>index.html / 404.html</a:t>
+            </a:r>
+          </a:p>
+          <a:p>
+            <a:pPr marL="171450" indent="-171450">
+              <a:buFontTx/>
+              <a:buChar char="-"/>
+            </a:pPr>
+            <a:r>
+              <a:rPr lang="en-US" sz="800" b="1" dirty="0">
+                <a:solidFill>
+                  <a:schemeClr val="tx1">
+                    <a:lumMod val="50000"/>
+                    <a:lumOff val="50000"/>
+                  </a:schemeClr>
+                </a:solidFill>
+                <a:latin typeface="Consolas" panose="020B0609020204030204" pitchFamily="49" charset="0"/>
+              </a:rPr>
+              <a:t>Container</a:t>
+            </a:r>
+            <a:r>
+              <a:rPr lang="en-US" sz="800" dirty="0">
+                <a:solidFill>
+                  <a:schemeClr val="tx1">
+                    <a:lumMod val="50000"/>
+                    <a:lumOff val="50000"/>
+                  </a:schemeClr>
+                </a:solidFill>
+                <a:latin typeface="Consolas" panose="020B0609020204030204" pitchFamily="49" charset="0"/>
+              </a:rPr>
+              <a:t> : $web</a:t>
+            </a:r>
+          </a:p>
+          <a:p>
+            <a:endParaRPr lang="en-US" sz="800" dirty="0">
+              <a:solidFill>
+                <a:schemeClr val="tx1">
+                  <a:lumMod val="50000"/>
+                  <a:lumOff val="50000"/>
+                </a:schemeClr>
+              </a:solidFill>
+              <a:latin typeface="Consolas" panose="020B0609020204030204" pitchFamily="49" charset="0"/>
+            </a:endParaRPr>
+          </a:p>
+        </p:txBody>
+      </p:sp>
+      <p:sp>
+        <p:nvSpPr>
+          <p:cNvPr id="43" name="TextBox 42">
+            <a:extLst>
+              <a:ext uri="{FF2B5EF4-FFF2-40B4-BE49-F238E27FC236}">
+                <a16:creationId xmlns:a16="http://schemas.microsoft.com/office/drawing/2014/main" id="{DB842742-9C21-4B17-911A-09DFDF732D56}"/>
+              </a:ext>
+            </a:extLst>
+          </p:cNvPr>
+          <p:cNvSpPr txBox="1"/>
+          <p:nvPr/>
+        </p:nvSpPr>
+        <p:spPr>
+          <a:xfrm>
+            <a:off x="6019516" y="1948523"/>
+            <a:ext cx="2187081" cy="1138773"/>
+          </a:xfrm>
+          <a:prstGeom prst="rect">
+            <a:avLst/>
+          </a:prstGeom>
+          <a:noFill/>
+        </p:spPr>
+        <p:txBody>
+          <a:bodyPr wrap="square" rtlCol="0">
+            <a:spAutoFit/>
+          </a:bodyPr>
+          <a:lstStyle/>
+          <a:p>
+            <a:r>
+              <a:rPr lang="en-US" sz="1200" dirty="0">
+                <a:latin typeface="Consolas" panose="020B0609020204030204" pitchFamily="49" charset="0"/>
+              </a:rPr>
+              <a:t>CDN Profile</a:t>
+            </a:r>
+          </a:p>
+          <a:p>
+            <a:r>
+              <a:rPr lang="en-US" sz="800" dirty="0">
+                <a:solidFill>
+                  <a:schemeClr val="tx1">
+                    <a:lumMod val="50000"/>
+                    <a:lumOff val="50000"/>
+                  </a:schemeClr>
+                </a:solidFill>
+                <a:latin typeface="Consolas" panose="020B0609020204030204" pitchFamily="49" charset="0"/>
+              </a:rPr>
+              <a:t>Content Delivery Network, caches to optimize performance and cost</a:t>
+            </a:r>
+          </a:p>
+          <a:p>
+            <a:endParaRPr lang="en-US" sz="800" dirty="0">
+              <a:solidFill>
+                <a:schemeClr val="tx1">
+                  <a:lumMod val="50000"/>
+                  <a:lumOff val="50000"/>
+                </a:schemeClr>
+              </a:solidFill>
+              <a:latin typeface="Consolas" panose="020B0609020204030204" pitchFamily="49" charset="0"/>
+            </a:endParaRPr>
+          </a:p>
+          <a:p>
+            <a:r>
+              <a:rPr lang="en-US" sz="800" b="1" dirty="0">
+                <a:latin typeface="Consolas" panose="020B0609020204030204" pitchFamily="49" charset="0"/>
+              </a:rPr>
+              <a:t>CDN Endpoint</a:t>
+            </a:r>
+          </a:p>
+          <a:p>
+            <a:pPr marL="171450" indent="-171450">
+              <a:buFontTx/>
+              <a:buChar char="-"/>
+            </a:pPr>
+            <a:r>
+              <a:rPr lang="en-US" sz="800" b="1" dirty="0">
+                <a:solidFill>
+                  <a:schemeClr val="tx1">
+                    <a:lumMod val="50000"/>
+                    <a:lumOff val="50000"/>
+                  </a:schemeClr>
+                </a:solidFill>
+                <a:latin typeface="Consolas" panose="020B0609020204030204" pitchFamily="49" charset="0"/>
+              </a:rPr>
+              <a:t>Origin</a:t>
+            </a:r>
+          </a:p>
+          <a:p>
+            <a:pPr marL="628650" lvl="1" indent="-171450">
+              <a:buFontTx/>
+              <a:buChar char="-"/>
+            </a:pPr>
+            <a:r>
+              <a:rPr lang="en-US" sz="800" dirty="0">
+                <a:solidFill>
+                  <a:schemeClr val="tx1">
+                    <a:lumMod val="50000"/>
+                    <a:lumOff val="50000"/>
+                  </a:schemeClr>
+                </a:solidFill>
+                <a:latin typeface="Consolas" panose="020B0609020204030204" pitchFamily="49" charset="0"/>
+              </a:rPr>
+              <a:t>Storage static website</a:t>
+            </a:r>
+          </a:p>
+          <a:p>
+            <a:pPr marL="628650" lvl="1" indent="-171450">
+              <a:buFontTx/>
+              <a:buChar char="-"/>
+            </a:pPr>
+            <a:r>
+              <a:rPr lang="en-US" sz="800" dirty="0">
+                <a:solidFill>
+                  <a:schemeClr val="tx1">
+                    <a:lumMod val="50000"/>
+                    <a:lumOff val="50000"/>
+                  </a:schemeClr>
+                </a:solidFill>
+                <a:latin typeface="Consolas" panose="020B0609020204030204" pitchFamily="49" charset="0"/>
+              </a:rPr>
+              <a:t>http/https</a:t>
+            </a:r>
+          </a:p>
+        </p:txBody>
+      </p:sp>
+      <p:sp>
+        <p:nvSpPr>
+          <p:cNvPr id="46" name="Oval 45">
+            <a:extLst>
+              <a:ext uri="{FF2B5EF4-FFF2-40B4-BE49-F238E27FC236}">
+                <a16:creationId xmlns:a16="http://schemas.microsoft.com/office/drawing/2014/main" id="{C48FB031-B5CE-438C-AD3E-73769D497535}"/>
+              </a:ext>
+            </a:extLst>
+          </p:cNvPr>
+          <p:cNvSpPr/>
+          <p:nvPr/>
+        </p:nvSpPr>
+        <p:spPr>
+          <a:xfrm>
+            <a:off x="5293572" y="241563"/>
+            <a:ext cx="224287" cy="223059"/>
+          </a:xfrm>
+          <a:prstGeom prst="ellipse">
+            <a:avLst/>
+          </a:prstGeom>
+        </p:spPr>
+        <p:style>
+          <a:lnRef idx="2">
+            <a:schemeClr val="dk1">
+              <a:shade val="50000"/>
+            </a:schemeClr>
+          </a:lnRef>
+          <a:fillRef idx="1">
+            <a:schemeClr val="dk1"/>
+          </a:fillRef>
+          <a:effectRef idx="0">
+            <a:schemeClr val="dk1"/>
+          </a:effectRef>
+          <a:fontRef idx="minor">
+            <a:schemeClr val="lt1"/>
+          </a:fontRef>
+        </p:style>
+        <p:txBody>
+          <a:bodyPr rtlCol="0" anchor="ctr"/>
+          <a:lstStyle/>
+          <a:p>
+            <a:pPr algn="ctr"/>
+            <a:endParaRPr lang="en-US"/>
+          </a:p>
+        </p:txBody>
+      </p:sp>
+      <p:sp>
+        <p:nvSpPr>
+          <p:cNvPr id="48" name="Oval 47">
+            <a:extLst>
+              <a:ext uri="{FF2B5EF4-FFF2-40B4-BE49-F238E27FC236}">
+                <a16:creationId xmlns:a16="http://schemas.microsoft.com/office/drawing/2014/main" id="{3B696D6E-75C4-4A0F-A61F-41D2948E69E3}"/>
+              </a:ext>
+            </a:extLst>
+          </p:cNvPr>
+          <p:cNvSpPr/>
+          <p:nvPr/>
+        </p:nvSpPr>
+        <p:spPr>
+          <a:xfrm>
+            <a:off x="7771283" y="241563"/>
+            <a:ext cx="224287" cy="223059"/>
+          </a:xfrm>
+          <a:prstGeom prst="ellipse">
+            <a:avLst/>
+          </a:prstGeom>
+        </p:spPr>
+        <p:style>
+          <a:lnRef idx="2">
+            <a:schemeClr val="dk1">
+              <a:shade val="50000"/>
+            </a:schemeClr>
+          </a:lnRef>
+          <a:fillRef idx="1">
+            <a:schemeClr val="dk1"/>
+          </a:fillRef>
+          <a:effectRef idx="0">
+            <a:schemeClr val="dk1"/>
+          </a:effectRef>
+          <a:fontRef idx="minor">
+            <a:schemeClr val="lt1"/>
+          </a:fontRef>
+        </p:style>
+        <p:txBody>
+          <a:bodyPr rtlCol="0" anchor="ctr"/>
+          <a:lstStyle/>
+          <a:p>
+            <a:pPr algn="ctr"/>
+            <a:endParaRPr lang="en-US"/>
+          </a:p>
+        </p:txBody>
+      </p:sp>
+      <p:cxnSp>
+        <p:nvCxnSpPr>
+          <p:cNvPr id="52" name="Connector: Elbow 51">
+            <a:extLst>
+              <a:ext uri="{FF2B5EF4-FFF2-40B4-BE49-F238E27FC236}">
+                <a16:creationId xmlns:a16="http://schemas.microsoft.com/office/drawing/2014/main" id="{E628E6E3-600E-4BF4-BA93-CD65056A7952}"/>
+              </a:ext>
+            </a:extLst>
+          </p:cNvPr>
+          <p:cNvCxnSpPr>
+            <a:cxnSpLocks/>
+            <a:stCxn id="31" idx="0"/>
+            <a:endCxn id="46" idx="4"/>
+          </p:cNvCxnSpPr>
+          <p:nvPr/>
+        </p:nvCxnSpPr>
+        <p:spPr>
+          <a:xfrm rot="5400000" flipH="1" flipV="1">
+            <a:off x="4067115" y="542201"/>
+            <a:ext cx="1416179" cy="1261023"/>
+          </a:xfrm>
+          <a:prstGeom prst="bentConnector3">
+            <a:avLst>
+              <a:gd name="adj1" fmla="val 50000"/>
+            </a:avLst>
+          </a:prstGeom>
+          <a:ln>
+            <a:prstDash val="sysDot"/>
+          </a:ln>
+        </p:spPr>
+        <p:style>
+          <a:lnRef idx="1">
+            <a:schemeClr val="dk1"/>
+          </a:lnRef>
+          <a:fillRef idx="0">
+            <a:schemeClr val="dk1"/>
+          </a:fillRef>
+          <a:effectRef idx="0">
+            <a:schemeClr val="dk1"/>
+          </a:effectRef>
+          <a:fontRef idx="minor">
+            <a:schemeClr val="tx1"/>
+          </a:fontRef>
+        </p:style>
+      </p:cxnSp>
+      <p:sp>
+        <p:nvSpPr>
+          <p:cNvPr id="56" name="TextBox 55">
+            <a:extLst>
+              <a:ext uri="{FF2B5EF4-FFF2-40B4-BE49-F238E27FC236}">
+                <a16:creationId xmlns:a16="http://schemas.microsoft.com/office/drawing/2014/main" id="{27A6460B-9C03-44A7-AD77-FEF464D75BC7}"/>
+              </a:ext>
+            </a:extLst>
+          </p:cNvPr>
+          <p:cNvSpPr txBox="1"/>
+          <p:nvPr/>
+        </p:nvSpPr>
+        <p:spPr>
+          <a:xfrm>
+            <a:off x="3289244" y="244991"/>
+            <a:ext cx="2159483" cy="216202"/>
+          </a:xfrm>
+          <a:prstGeom prst="rect">
+            <a:avLst/>
+          </a:prstGeom>
+          <a:noFill/>
+        </p:spPr>
+        <p:txBody>
+          <a:bodyPr wrap="square">
+            <a:spAutoFit/>
+          </a:bodyPr>
+          <a:lstStyle/>
+          <a:p>
+            <a:r>
+              <a:rPr lang="en-US" sz="800" dirty="0">
+                <a:solidFill>
+                  <a:schemeClr val="tx1">
+                    <a:lumMod val="50000"/>
+                    <a:lumOff val="50000"/>
+                  </a:schemeClr>
+                </a:solidFill>
+                <a:latin typeface="Consolas" panose="020B0609020204030204" pitchFamily="49" charset="0"/>
+              </a:rPr>
+              <a:t>https://&lt;sa&gt;.web.core.windows.net</a:t>
+            </a:r>
+          </a:p>
+        </p:txBody>
+      </p:sp>
+      <p:sp>
+        <p:nvSpPr>
+          <p:cNvPr id="58" name="TextBox 57">
+            <a:extLst>
+              <a:ext uri="{FF2B5EF4-FFF2-40B4-BE49-F238E27FC236}">
+                <a16:creationId xmlns:a16="http://schemas.microsoft.com/office/drawing/2014/main" id="{E85AA211-583F-4CE5-BA4C-957883C0577D}"/>
+              </a:ext>
+            </a:extLst>
+          </p:cNvPr>
+          <p:cNvSpPr txBox="1"/>
+          <p:nvPr/>
+        </p:nvSpPr>
+        <p:spPr>
+          <a:xfrm>
+            <a:off x="6104623" y="245370"/>
+            <a:ext cx="1728163" cy="215444"/>
+          </a:xfrm>
+          <a:prstGeom prst="rect">
+            <a:avLst/>
+          </a:prstGeom>
+          <a:noFill/>
+        </p:spPr>
+        <p:txBody>
+          <a:bodyPr wrap="square">
+            <a:spAutoFit/>
+          </a:bodyPr>
+          <a:lstStyle/>
+          <a:p>
+            <a:r>
+              <a:rPr lang="en-US" sz="800" dirty="0">
+                <a:solidFill>
+                  <a:schemeClr val="tx1">
+                    <a:lumMod val="50000"/>
+                    <a:lumOff val="50000"/>
+                  </a:schemeClr>
+                </a:solidFill>
+                <a:latin typeface="Consolas" panose="020B0609020204030204" pitchFamily="49" charset="0"/>
+              </a:rPr>
+              <a:t>https://&lt;cdn&gt;.azureedge.net</a:t>
+            </a:r>
+          </a:p>
+        </p:txBody>
+      </p:sp>
+      <p:cxnSp>
+        <p:nvCxnSpPr>
+          <p:cNvPr id="60" name="Connector: Elbow 59">
+            <a:extLst>
+              <a:ext uri="{FF2B5EF4-FFF2-40B4-BE49-F238E27FC236}">
+                <a16:creationId xmlns:a16="http://schemas.microsoft.com/office/drawing/2014/main" id="{980D4C3A-F594-48F6-95F3-2709DED15C05}"/>
+              </a:ext>
+            </a:extLst>
+          </p:cNvPr>
+          <p:cNvCxnSpPr>
+            <a:cxnSpLocks/>
+            <a:stCxn id="33" idx="0"/>
+            <a:endCxn id="48" idx="4"/>
+          </p:cNvCxnSpPr>
+          <p:nvPr/>
+        </p:nvCxnSpPr>
+        <p:spPr>
+          <a:xfrm rot="5400000" flipH="1" flipV="1">
+            <a:off x="6697715" y="695088"/>
+            <a:ext cx="1416177" cy="955247"/>
+          </a:xfrm>
+          <a:prstGeom prst="bentConnector3">
+            <a:avLst>
+              <a:gd name="adj1" fmla="val 50000"/>
+            </a:avLst>
+          </a:prstGeom>
+          <a:ln>
+            <a:prstDash val="sysDot"/>
+          </a:ln>
+        </p:spPr>
+        <p:style>
+          <a:lnRef idx="1">
+            <a:schemeClr val="dk1"/>
+          </a:lnRef>
+          <a:fillRef idx="0">
+            <a:schemeClr val="dk1"/>
+          </a:fillRef>
+          <a:effectRef idx="0">
+            <a:schemeClr val="dk1"/>
+          </a:effectRef>
+          <a:fontRef idx="minor">
+            <a:schemeClr val="tx1"/>
+          </a:fontRef>
+        </p:style>
+      </p:cxnSp>
+      <p:pic>
+        <p:nvPicPr>
+          <p:cNvPr id="73" name="Graphic 72">
+            <a:extLst>
+              <a:ext uri="{FF2B5EF4-FFF2-40B4-BE49-F238E27FC236}">
+                <a16:creationId xmlns:a16="http://schemas.microsoft.com/office/drawing/2014/main" id="{CCD2A143-2832-4ABE-8708-81FF28172AE8}"/>
+              </a:ext>
+            </a:extLst>
+          </p:cNvPr>
+          <p:cNvPicPr>
+            <a:picLocks noChangeAspect="1"/>
+          </p:cNvPicPr>
+          <p:nvPr/>
+        </p:nvPicPr>
+        <p:blipFill>
+          <a:blip r:embed="rId13">
+            <a:extLst>
+              <a:ext uri="{28A0092B-C50C-407E-A947-70E740481C1C}">
+                <a14:useLocalDpi xmlns:a14="http://schemas.microsoft.com/office/drawing/2010/main" val="0"/>
+              </a:ext>
+              <a:ext uri="{96DAC541-7B7A-43D3-8B79-37D633B846F1}">
+                <asvg:svgBlip xmlns:asvg="http://schemas.microsoft.com/office/drawing/2016/SVG/main" r:embed="rId14"/>
+              </a:ext>
+            </a:extLst>
+          </a:blip>
+          <a:stretch>
+            <a:fillRect/>
+          </a:stretch>
+        </p:blipFill>
+        <p:spPr>
+          <a:xfrm>
+            <a:off x="3312079" y="2486672"/>
+            <a:ext cx="228600" cy="228600"/>
+          </a:xfrm>
+          <a:prstGeom prst="rect">
+            <a:avLst/>
+          </a:prstGeom>
+        </p:spPr>
+      </p:pic>
+      <p:sp>
+        <p:nvSpPr>
+          <p:cNvPr id="75" name="Arrow: Left 74">
+            <a:extLst>
+              <a:ext uri="{FF2B5EF4-FFF2-40B4-BE49-F238E27FC236}">
+                <a16:creationId xmlns:a16="http://schemas.microsoft.com/office/drawing/2014/main" id="{1769582E-9834-4BCE-BC6E-75C0C1264512}"/>
+              </a:ext>
+            </a:extLst>
+          </p:cNvPr>
+          <p:cNvSpPr/>
+          <p:nvPr/>
+        </p:nvSpPr>
+        <p:spPr>
+          <a:xfrm>
+            <a:off x="5056531" y="2773145"/>
+            <a:ext cx="1447787" cy="192342"/>
+          </a:xfrm>
+          <a:prstGeom prst="leftArrow">
+            <a:avLst/>
+          </a:prstGeom>
+          <a:solidFill>
+            <a:schemeClr val="accent1">
+              <a:lumMod val="40000"/>
+              <a:lumOff val="60000"/>
+            </a:schemeClr>
+          </a:solidFill>
+          <a:ln>
+            <a:noFill/>
+          </a:ln>
+        </p:spPr>
+        <p:style>
+          <a:lnRef idx="2">
+            <a:schemeClr val="accent1">
+              <a:shade val="50000"/>
+            </a:schemeClr>
+          </a:lnRef>
+          <a:fillRef idx="1">
+            <a:schemeClr val="accent1"/>
+          </a:fillRef>
+          <a:effectRef idx="0">
+            <a:schemeClr val="accent1"/>
+          </a:effectRef>
+          <a:fontRef idx="minor">
+            <a:schemeClr val="lt1"/>
+          </a:fontRef>
+        </p:style>
+        <p:txBody>
+          <a:bodyPr rtlCol="0" anchor="ctr"/>
+          <a:lstStyle/>
+          <a:p>
+            <a:pPr algn="ctr"/>
+            <a:endParaRPr lang="en-US"/>
+          </a:p>
+        </p:txBody>
+      </p:sp>
+      <p:pic>
+        <p:nvPicPr>
+          <p:cNvPr id="119" name="Graphic 118">
+            <a:extLst>
+              <a:ext uri="{FF2B5EF4-FFF2-40B4-BE49-F238E27FC236}">
+                <a16:creationId xmlns:a16="http://schemas.microsoft.com/office/drawing/2014/main" id="{017CBCAC-B183-4D22-847C-9D7B8A3BDE00}"/>
+              </a:ext>
+            </a:extLst>
+          </p:cNvPr>
+          <p:cNvPicPr>
+            <a:picLocks noChangeAspect="1"/>
+          </p:cNvPicPr>
+          <p:nvPr/>
+        </p:nvPicPr>
+        <p:blipFill>
+          <a:blip r:embed="rId15">
+            <a:extLst>
+              <a:ext uri="{28A0092B-C50C-407E-A947-70E740481C1C}">
+                <a14:useLocalDpi xmlns:a14="http://schemas.microsoft.com/office/drawing/2010/main" val="0"/>
+              </a:ext>
+              <a:ext uri="{96DAC541-7B7A-43D3-8B79-37D633B846F1}">
+                <asvg:svgBlip xmlns:asvg="http://schemas.microsoft.com/office/drawing/2016/SVG/main" r:embed="rId16"/>
+              </a:ext>
+            </a:extLst>
+          </a:blip>
+          <a:stretch>
+            <a:fillRect/>
+          </a:stretch>
+        </p:blipFill>
+        <p:spPr>
+          <a:xfrm>
+            <a:off x="323615" y="4033404"/>
+            <a:ext cx="738448" cy="738448"/>
+          </a:xfrm>
+          <a:prstGeom prst="rect">
+            <a:avLst/>
+          </a:prstGeom>
+        </p:spPr>
+      </p:pic>
+      <p:sp>
+        <p:nvSpPr>
+          <p:cNvPr id="120" name="Arrow: Bent 119">
+            <a:extLst>
+              <a:ext uri="{FF2B5EF4-FFF2-40B4-BE49-F238E27FC236}">
+                <a16:creationId xmlns:a16="http://schemas.microsoft.com/office/drawing/2014/main" id="{AE1A7CE0-ACDD-4C4F-9E9F-A23187B6853F}"/>
+              </a:ext>
+            </a:extLst>
+          </p:cNvPr>
+          <p:cNvSpPr/>
+          <p:nvPr/>
+        </p:nvSpPr>
+        <p:spPr>
+          <a:xfrm>
+            <a:off x="635370" y="2474806"/>
+            <a:ext cx="2324408" cy="1580243"/>
+          </a:xfrm>
+          <a:prstGeom prst="bentArrow">
+            <a:avLst>
+              <a:gd name="adj1" fmla="val 9715"/>
+              <a:gd name="adj2" fmla="val 9533"/>
+              <a:gd name="adj3" fmla="val 11171"/>
+              <a:gd name="adj4" fmla="val 43750"/>
+            </a:avLst>
+          </a:prstGeom>
+          <a:solidFill>
+            <a:schemeClr val="accent6">
+              <a:lumMod val="40000"/>
+              <a:lumOff val="60000"/>
+            </a:schemeClr>
+          </a:solidFill>
+          <a:ln>
+            <a:noFill/>
+          </a:ln>
+        </p:spPr>
+        <p:style>
+          <a:lnRef idx="2">
+            <a:schemeClr val="accent1">
+              <a:shade val="50000"/>
+            </a:schemeClr>
+          </a:lnRef>
+          <a:fillRef idx="1">
+            <a:schemeClr val="accent1"/>
+          </a:fillRef>
+          <a:effectRef idx="0">
+            <a:schemeClr val="accent1"/>
+          </a:effectRef>
+          <a:fontRef idx="minor">
+            <a:schemeClr val="lt1"/>
+          </a:fontRef>
+        </p:style>
+        <p:txBody>
+          <a:bodyPr rtlCol="0" anchor="ctr"/>
+          <a:lstStyle/>
+          <a:p>
+            <a:pPr algn="ctr"/>
+            <a:endParaRPr lang="en-US"/>
+          </a:p>
+        </p:txBody>
+      </p:sp>
+      <p:sp>
+        <p:nvSpPr>
+          <p:cNvPr id="122" name="TextBox 121">
+            <a:extLst>
+              <a:ext uri="{FF2B5EF4-FFF2-40B4-BE49-F238E27FC236}">
+                <a16:creationId xmlns:a16="http://schemas.microsoft.com/office/drawing/2014/main" id="{03DAD4C1-AC03-4B71-8947-B016DBFD0335}"/>
+              </a:ext>
+            </a:extLst>
+          </p:cNvPr>
+          <p:cNvSpPr txBox="1"/>
+          <p:nvPr/>
+        </p:nvSpPr>
+        <p:spPr>
+          <a:xfrm>
+            <a:off x="782563" y="3364295"/>
+            <a:ext cx="1425158" cy="707886"/>
+          </a:xfrm>
+          <a:prstGeom prst="rect">
+            <a:avLst/>
+          </a:prstGeom>
+          <a:noFill/>
+        </p:spPr>
+        <p:txBody>
+          <a:bodyPr wrap="square">
+            <a:spAutoFit/>
+          </a:bodyPr>
+          <a:lstStyle/>
+          <a:p>
+            <a:r>
+              <a:rPr lang="en-US" sz="800" dirty="0">
+                <a:solidFill>
+                  <a:schemeClr val="tx1">
+                    <a:lumMod val="50000"/>
+                    <a:lumOff val="50000"/>
+                  </a:schemeClr>
+                </a:solidFill>
+                <a:latin typeface="Consolas" panose="020B0609020204030204" pitchFamily="49" charset="0"/>
+              </a:rPr>
+              <a:t>Upload content to $web, using Storage Explorer or the Azure CLI (not PS due to content types)</a:t>
+            </a:r>
+          </a:p>
+        </p:txBody>
+      </p:sp>
+    </p:spTree>
+    <p:extLst>
+      <p:ext uri="{BB962C8B-B14F-4D97-AF65-F5344CB8AC3E}">
+        <p14:creationId xmlns:p14="http://schemas.microsoft.com/office/powerpoint/2010/main" val="449679930"/>
+      </p:ext>
+    </p:extLst>
+  </p:cSld>
+  <p:clrMapOvr>
+    <a:masterClrMapping/>
+  </p:clrMapOvr>
+</p:sld>
+</file>
+
+<file path=ppt/slides/slide4.xml><?xml version="1.0" encoding="utf-8"?>
+<p:sld xmlns:a="http://schemas.openxmlformats.org/drawingml/2006/main" xmlns:r="http://schemas.openxmlformats.org/officeDocument/2006/relationships" xmlns:p="http://schemas.openxmlformats.org/presentationml/2006/main">
+  <p:cSld>
+    <p:spTree>
+      <p:nvGrpSpPr>
+        <p:cNvPr id="1" name=""/>
+        <p:cNvGrpSpPr/>
+        <p:nvPr/>
+      </p:nvGrpSpPr>
+      <p:grpSpPr>
+        <a:xfrm>
+          <a:off x="0" y="0"/>
+          <a:ext cx="0" cy="0"/>
+          <a:chOff x="0" y="0"/>
+          <a:chExt cx="0" cy="0"/>
+        </a:xfrm>
+      </p:grpSpPr>
+      <p:sp>
+        <p:nvSpPr>
+          <p:cNvPr id="31" name="Rectangle: Rounded Corners 30">
+            <a:extLst>
+              <a:ext uri="{FF2B5EF4-FFF2-40B4-BE49-F238E27FC236}">
+                <a16:creationId xmlns:a16="http://schemas.microsoft.com/office/drawing/2014/main" id="{DBE214B7-70C1-4A03-A545-891FC4A86FE2}"/>
+              </a:ext>
+            </a:extLst>
+          </p:cNvPr>
+          <p:cNvSpPr/>
+          <p:nvPr/>
+        </p:nvSpPr>
+        <p:spPr>
+          <a:xfrm>
+            <a:off x="3103213" y="1880801"/>
+            <a:ext cx="2082959" cy="1179928"/>
+          </a:xfrm>
+          <a:prstGeom prst="roundRect">
+            <a:avLst>
+              <a:gd name="adj" fmla="val 5960"/>
+            </a:avLst>
+          </a:prstGeom>
+          <a:solidFill>
+            <a:schemeClr val="bg1">
+              <a:lumMod val="95000"/>
+            </a:schemeClr>
+          </a:solidFill>
+          <a:ln w="19050" cap="flat" cmpd="sng" algn="ctr">
+            <a:solidFill>
+              <a:schemeClr val="bg2">
+                <a:lumMod val="90000"/>
+              </a:schemeClr>
+            </a:solidFill>
+            <a:prstDash val="sysDash"/>
+            <a:round/>
+            <a:headEnd type="none" w="med" len="med"/>
+            <a:tailEnd type="none" w="med" len="med"/>
+          </a:ln>
+        </p:spPr>
+        <p:style>
+          <a:lnRef idx="0">
+            <a:scrgbClr r="0" g="0" b="0"/>
+          </a:lnRef>
+          <a:fillRef idx="0">
+            <a:scrgbClr r="0" g="0" b="0"/>
+          </a:fillRef>
+          <a:effectRef idx="0">
+            <a:scrgbClr r="0" g="0" b="0"/>
+          </a:effectRef>
+          <a:fontRef idx="minor">
+            <a:schemeClr val="dk1"/>
+          </a:fontRef>
+        </p:style>
+        <p:txBody>
+          <a:bodyPr rtlCol="0" anchor="ctr"/>
+          <a:lstStyle/>
+          <a:p>
+            <a:pPr algn="ctr"/>
+            <a:endParaRPr lang="en-US"/>
+          </a:p>
+        </p:txBody>
+      </p:sp>
+      <p:sp>
+        <p:nvSpPr>
+          <p:cNvPr id="33" name="Rectangle: Rounded Corners 32">
+            <a:extLst>
+              <a:ext uri="{FF2B5EF4-FFF2-40B4-BE49-F238E27FC236}">
+                <a16:creationId xmlns:a16="http://schemas.microsoft.com/office/drawing/2014/main" id="{273B9ADB-7E63-4F02-80DD-028CC11078F9}"/>
+              </a:ext>
+            </a:extLst>
+          </p:cNvPr>
+          <p:cNvSpPr/>
+          <p:nvPr/>
+        </p:nvSpPr>
+        <p:spPr>
+          <a:xfrm>
+            <a:off x="5592254" y="1880799"/>
+            <a:ext cx="2671852" cy="2604936"/>
+          </a:xfrm>
+          <a:prstGeom prst="roundRect">
+            <a:avLst>
+              <a:gd name="adj" fmla="val 5960"/>
+            </a:avLst>
+          </a:prstGeom>
+          <a:solidFill>
+            <a:schemeClr val="bg1">
+              <a:lumMod val="95000"/>
+            </a:schemeClr>
+          </a:solidFill>
+          <a:ln w="19050" cap="flat" cmpd="sng" algn="ctr">
+            <a:solidFill>
+              <a:schemeClr val="bg2">
+                <a:lumMod val="90000"/>
+              </a:schemeClr>
+            </a:solidFill>
+            <a:prstDash val="sysDash"/>
+            <a:round/>
+            <a:headEnd type="none" w="med" len="med"/>
+            <a:tailEnd type="none" w="med" len="med"/>
+          </a:ln>
+        </p:spPr>
+        <p:style>
+          <a:lnRef idx="0">
+            <a:scrgbClr r="0" g="0" b="0"/>
+          </a:lnRef>
+          <a:fillRef idx="0">
+            <a:scrgbClr r="0" g="0" b="0"/>
+          </a:fillRef>
+          <a:effectRef idx="0">
+            <a:scrgbClr r="0" g="0" b="0"/>
+          </a:effectRef>
+          <a:fontRef idx="minor">
+            <a:schemeClr val="dk1"/>
+          </a:fontRef>
+        </p:style>
+        <p:txBody>
+          <a:bodyPr rtlCol="0" anchor="ctr"/>
+          <a:lstStyle/>
+          <a:p>
+            <a:pPr algn="ctr"/>
+            <a:endParaRPr lang="en-US"/>
+          </a:p>
+        </p:txBody>
+      </p:sp>
+      <p:sp>
+        <p:nvSpPr>
+          <p:cNvPr id="35" name="Rectangle: Rounded Corners 34">
+            <a:extLst>
+              <a:ext uri="{FF2B5EF4-FFF2-40B4-BE49-F238E27FC236}">
+                <a16:creationId xmlns:a16="http://schemas.microsoft.com/office/drawing/2014/main" id="{A7842EFF-4161-4B9E-ABE2-70BDBD8DCF27}"/>
+              </a:ext>
+            </a:extLst>
+          </p:cNvPr>
+          <p:cNvSpPr/>
+          <p:nvPr/>
+        </p:nvSpPr>
+        <p:spPr>
+          <a:xfrm>
+            <a:off x="8716771" y="1880800"/>
+            <a:ext cx="2752946" cy="2604936"/>
+          </a:xfrm>
+          <a:prstGeom prst="roundRect">
+            <a:avLst>
+              <a:gd name="adj" fmla="val 5960"/>
+            </a:avLst>
+          </a:prstGeom>
+          <a:solidFill>
+            <a:schemeClr val="bg1">
+              <a:lumMod val="95000"/>
+            </a:schemeClr>
+          </a:solidFill>
+          <a:ln w="19050" cap="flat" cmpd="sng" algn="ctr">
+            <a:solidFill>
+              <a:schemeClr val="bg2">
+                <a:lumMod val="90000"/>
+              </a:schemeClr>
+            </a:solidFill>
+            <a:prstDash val="sysDash"/>
+            <a:round/>
+            <a:headEnd type="none" w="med" len="med"/>
+            <a:tailEnd type="none" w="med" len="med"/>
+          </a:ln>
+        </p:spPr>
+        <p:style>
+          <a:lnRef idx="0">
+            <a:scrgbClr r="0" g="0" b="0"/>
+          </a:lnRef>
+          <a:fillRef idx="0">
+            <a:scrgbClr r="0" g="0" b="0"/>
+          </a:fillRef>
+          <a:effectRef idx="0">
+            <a:scrgbClr r="0" g="0" b="0"/>
+          </a:effectRef>
+          <a:fontRef idx="minor">
+            <a:schemeClr val="dk1"/>
+          </a:fontRef>
+        </p:style>
+        <p:txBody>
+          <a:bodyPr rtlCol="0" anchor="ctr"/>
+          <a:lstStyle/>
+          <a:p>
+            <a:pPr algn="ctr"/>
+            <a:endParaRPr lang="en-US"/>
+          </a:p>
+        </p:txBody>
+      </p:sp>
+      <p:sp>
+        <p:nvSpPr>
+          <p:cNvPr id="18" name="Rectangle: Rounded Corners 17">
+            <a:extLst>
+              <a:ext uri="{FF2B5EF4-FFF2-40B4-BE49-F238E27FC236}">
+                <a16:creationId xmlns:a16="http://schemas.microsoft.com/office/drawing/2014/main" id="{1F0AEC02-1728-4529-8772-1709F272C2F6}"/>
+              </a:ext>
+            </a:extLst>
+          </p:cNvPr>
+          <p:cNvSpPr/>
+          <p:nvPr/>
+        </p:nvSpPr>
+        <p:spPr>
+          <a:xfrm>
+            <a:off x="2605178" y="885609"/>
+            <a:ext cx="9339532" cy="4002693"/>
+          </a:xfrm>
+          <a:custGeom>
+            <a:avLst/>
+            <a:gdLst>
+              <a:gd name="connsiteX0" fmla="*/ 0 w 9339532"/>
+              <a:gd name="connsiteY0" fmla="*/ 238561 h 4002693"/>
+              <a:gd name="connsiteX1" fmla="*/ 238561 w 9339532"/>
+              <a:gd name="connsiteY1" fmla="*/ 0 h 4002693"/>
+              <a:gd name="connsiteX2" fmla="*/ 920285 w 9339532"/>
+              <a:gd name="connsiteY2" fmla="*/ 0 h 4002693"/>
+              <a:gd name="connsiteX3" fmla="*/ 1779257 w 9339532"/>
+              <a:gd name="connsiteY3" fmla="*/ 0 h 4002693"/>
+              <a:gd name="connsiteX4" fmla="*/ 2638229 w 9339532"/>
+              <a:gd name="connsiteY4" fmla="*/ 0 h 4002693"/>
+              <a:gd name="connsiteX5" fmla="*/ 3142705 w 9339532"/>
+              <a:gd name="connsiteY5" fmla="*/ 0 h 4002693"/>
+              <a:gd name="connsiteX6" fmla="*/ 3558556 w 9339532"/>
+              <a:gd name="connsiteY6" fmla="*/ 0 h 4002693"/>
+              <a:gd name="connsiteX7" fmla="*/ 4063032 w 9339532"/>
+              <a:gd name="connsiteY7" fmla="*/ 0 h 4002693"/>
+              <a:gd name="connsiteX8" fmla="*/ 4833380 w 9339532"/>
+              <a:gd name="connsiteY8" fmla="*/ 0 h 4002693"/>
+              <a:gd name="connsiteX9" fmla="*/ 5603728 w 9339532"/>
+              <a:gd name="connsiteY9" fmla="*/ 0 h 4002693"/>
+              <a:gd name="connsiteX10" fmla="*/ 6019579 w 9339532"/>
+              <a:gd name="connsiteY10" fmla="*/ 0 h 4002693"/>
+              <a:gd name="connsiteX11" fmla="*/ 6612679 w 9339532"/>
+              <a:gd name="connsiteY11" fmla="*/ 0 h 4002693"/>
+              <a:gd name="connsiteX12" fmla="*/ 7205779 w 9339532"/>
+              <a:gd name="connsiteY12" fmla="*/ 0 h 4002693"/>
+              <a:gd name="connsiteX13" fmla="*/ 7976127 w 9339532"/>
+              <a:gd name="connsiteY13" fmla="*/ 0 h 4002693"/>
+              <a:gd name="connsiteX14" fmla="*/ 8480602 w 9339532"/>
+              <a:gd name="connsiteY14" fmla="*/ 0 h 4002693"/>
+              <a:gd name="connsiteX15" fmla="*/ 9100971 w 9339532"/>
+              <a:gd name="connsiteY15" fmla="*/ 0 h 4002693"/>
+              <a:gd name="connsiteX16" fmla="*/ 9339532 w 9339532"/>
+              <a:gd name="connsiteY16" fmla="*/ 238561 h 4002693"/>
+              <a:gd name="connsiteX17" fmla="*/ 9339532 w 9339532"/>
+              <a:gd name="connsiteY17" fmla="*/ 790900 h 4002693"/>
+              <a:gd name="connsiteX18" fmla="*/ 9339532 w 9339532"/>
+              <a:gd name="connsiteY18" fmla="*/ 1378496 h 4002693"/>
+              <a:gd name="connsiteX19" fmla="*/ 9339532 w 9339532"/>
+              <a:gd name="connsiteY19" fmla="*/ 1860324 h 4002693"/>
+              <a:gd name="connsiteX20" fmla="*/ 9339532 w 9339532"/>
+              <a:gd name="connsiteY20" fmla="*/ 2447919 h 4002693"/>
+              <a:gd name="connsiteX21" fmla="*/ 9339532 w 9339532"/>
+              <a:gd name="connsiteY21" fmla="*/ 3106025 h 4002693"/>
+              <a:gd name="connsiteX22" fmla="*/ 9339532 w 9339532"/>
+              <a:gd name="connsiteY22" fmla="*/ 3764132 h 4002693"/>
+              <a:gd name="connsiteX23" fmla="*/ 9100971 w 9339532"/>
+              <a:gd name="connsiteY23" fmla="*/ 4002693 h 4002693"/>
+              <a:gd name="connsiteX24" fmla="*/ 8419247 w 9339532"/>
+              <a:gd name="connsiteY24" fmla="*/ 4002693 h 4002693"/>
+              <a:gd name="connsiteX25" fmla="*/ 7560275 w 9339532"/>
+              <a:gd name="connsiteY25" fmla="*/ 4002693 h 4002693"/>
+              <a:gd name="connsiteX26" fmla="*/ 7144424 w 9339532"/>
+              <a:gd name="connsiteY26" fmla="*/ 4002693 h 4002693"/>
+              <a:gd name="connsiteX27" fmla="*/ 6728572 w 9339532"/>
+              <a:gd name="connsiteY27" fmla="*/ 4002693 h 4002693"/>
+              <a:gd name="connsiteX28" fmla="*/ 6135472 w 9339532"/>
+              <a:gd name="connsiteY28" fmla="*/ 4002693 h 4002693"/>
+              <a:gd name="connsiteX29" fmla="*/ 5453748 w 9339532"/>
+              <a:gd name="connsiteY29" fmla="*/ 4002693 h 4002693"/>
+              <a:gd name="connsiteX30" fmla="*/ 4860649 w 9339532"/>
+              <a:gd name="connsiteY30" fmla="*/ 4002693 h 4002693"/>
+              <a:gd name="connsiteX31" fmla="*/ 4090301 w 9339532"/>
+              <a:gd name="connsiteY31" fmla="*/ 4002693 h 4002693"/>
+              <a:gd name="connsiteX32" fmla="*/ 3231329 w 9339532"/>
+              <a:gd name="connsiteY32" fmla="*/ 4002693 h 4002693"/>
+              <a:gd name="connsiteX33" fmla="*/ 2549605 w 9339532"/>
+              <a:gd name="connsiteY33" fmla="*/ 4002693 h 4002693"/>
+              <a:gd name="connsiteX34" fmla="*/ 1956505 w 9339532"/>
+              <a:gd name="connsiteY34" fmla="*/ 4002693 h 4002693"/>
+              <a:gd name="connsiteX35" fmla="*/ 1097533 w 9339532"/>
+              <a:gd name="connsiteY35" fmla="*/ 4002693 h 4002693"/>
+              <a:gd name="connsiteX36" fmla="*/ 238561 w 9339532"/>
+              <a:gd name="connsiteY36" fmla="*/ 4002693 h 4002693"/>
+              <a:gd name="connsiteX37" fmla="*/ 0 w 9339532"/>
+              <a:gd name="connsiteY37" fmla="*/ 3764132 h 4002693"/>
+              <a:gd name="connsiteX38" fmla="*/ 0 w 9339532"/>
+              <a:gd name="connsiteY38" fmla="*/ 3247048 h 4002693"/>
+              <a:gd name="connsiteX39" fmla="*/ 0 w 9339532"/>
+              <a:gd name="connsiteY39" fmla="*/ 2624197 h 4002693"/>
+              <a:gd name="connsiteX40" fmla="*/ 0 w 9339532"/>
+              <a:gd name="connsiteY40" fmla="*/ 2071858 h 4002693"/>
+              <a:gd name="connsiteX41" fmla="*/ 0 w 9339532"/>
+              <a:gd name="connsiteY41" fmla="*/ 1554774 h 4002693"/>
+              <a:gd name="connsiteX42" fmla="*/ 0 w 9339532"/>
+              <a:gd name="connsiteY42" fmla="*/ 896668 h 4002693"/>
+              <a:gd name="connsiteX43" fmla="*/ 0 w 9339532"/>
+              <a:gd name="connsiteY43" fmla="*/ 238561 h 4002693"/>
+            </a:gdLst>
+            <a:ahLst/>
+            <a:cxnLst>
+              <a:cxn ang="0">
+                <a:pos x="connsiteX0" y="connsiteY0"/>
+              </a:cxn>
+              <a:cxn ang="0">
+                <a:pos x="connsiteX1" y="connsiteY1"/>
+              </a:cxn>
+              <a:cxn ang="0">
+                <a:pos x="connsiteX2" y="connsiteY2"/>
+              </a:cxn>
+              <a:cxn ang="0">
+                <a:pos x="connsiteX3" y="connsiteY3"/>
+              </a:cxn>
+              <a:cxn ang="0">
+                <a:pos x="connsiteX4" y="connsiteY4"/>
+              </a:cxn>
+              <a:cxn ang="0">
+                <a:pos x="connsiteX5" y="connsiteY5"/>
+              </a:cxn>
+              <a:cxn ang="0">
+                <a:pos x="connsiteX6" y="connsiteY6"/>
+              </a:cxn>
+              <a:cxn ang="0">
+                <a:pos x="connsiteX7" y="connsiteY7"/>
+              </a:cxn>
+              <a:cxn ang="0">
+                <a:pos x="connsiteX8" y="connsiteY8"/>
+              </a:cxn>
+              <a:cxn ang="0">
+                <a:pos x="connsiteX9" y="connsiteY9"/>
+              </a:cxn>
+              <a:cxn ang="0">
+                <a:pos x="connsiteX10" y="connsiteY10"/>
+              </a:cxn>
+              <a:cxn ang="0">
+                <a:pos x="connsiteX11" y="connsiteY11"/>
+              </a:cxn>
+              <a:cxn ang="0">
+                <a:pos x="connsiteX12" y="connsiteY12"/>
+              </a:cxn>
+              <a:cxn ang="0">
+                <a:pos x="connsiteX13" y="connsiteY13"/>
+              </a:cxn>
+              <a:cxn ang="0">
+                <a:pos x="connsiteX14" y="connsiteY14"/>
+              </a:cxn>
+              <a:cxn ang="0">
+                <a:pos x="connsiteX15" y="connsiteY15"/>
+              </a:cxn>
+              <a:cxn ang="0">
+                <a:pos x="connsiteX16" y="connsiteY16"/>
+              </a:cxn>
+              <a:cxn ang="0">
+                <a:pos x="connsiteX17" y="connsiteY17"/>
+              </a:cxn>
+              <a:cxn ang="0">
+                <a:pos x="connsiteX18" y="connsiteY18"/>
+              </a:cxn>
+              <a:cxn ang="0">
+                <a:pos x="connsiteX19" y="connsiteY19"/>
+              </a:cxn>
+              <a:cxn ang="0">
+                <a:pos x="connsiteX20" y="connsiteY20"/>
+              </a:cxn>
+              <a:cxn ang="0">
+                <a:pos x="connsiteX21" y="connsiteY21"/>
+              </a:cxn>
+              <a:cxn ang="0">
+                <a:pos x="connsiteX22" y="connsiteY22"/>
+              </a:cxn>
+              <a:cxn ang="0">
+                <a:pos x="connsiteX23" y="connsiteY23"/>
+              </a:cxn>
+              <a:cxn ang="0">
+                <a:pos x="connsiteX24" y="connsiteY24"/>
+              </a:cxn>
+              <a:cxn ang="0">
+                <a:pos x="connsiteX25" y="connsiteY25"/>
+              </a:cxn>
+              <a:cxn ang="0">
+                <a:pos x="connsiteX26" y="connsiteY26"/>
+              </a:cxn>
+              <a:cxn ang="0">
+                <a:pos x="connsiteX27" y="connsiteY27"/>
+              </a:cxn>
+              <a:cxn ang="0">
+                <a:pos x="connsiteX28" y="connsiteY28"/>
+              </a:cxn>
+              <a:cxn ang="0">
+                <a:pos x="connsiteX29" y="connsiteY29"/>
+              </a:cxn>
+              <a:cxn ang="0">
+                <a:pos x="connsiteX30" y="connsiteY30"/>
+              </a:cxn>
+              <a:cxn ang="0">
+                <a:pos x="connsiteX31" y="connsiteY31"/>
+              </a:cxn>
+              <a:cxn ang="0">
+                <a:pos x="connsiteX32" y="connsiteY32"/>
+              </a:cxn>
+              <a:cxn ang="0">
+                <a:pos x="connsiteX33" y="connsiteY33"/>
+              </a:cxn>
+              <a:cxn ang="0">
+                <a:pos x="connsiteX34" y="connsiteY34"/>
+              </a:cxn>
+              <a:cxn ang="0">
+                <a:pos x="connsiteX35" y="connsiteY35"/>
+              </a:cxn>
+              <a:cxn ang="0">
+                <a:pos x="connsiteX36" y="connsiteY36"/>
+              </a:cxn>
+              <a:cxn ang="0">
+                <a:pos x="connsiteX37" y="connsiteY37"/>
+              </a:cxn>
+              <a:cxn ang="0">
+                <a:pos x="connsiteX38" y="connsiteY38"/>
+              </a:cxn>
+              <a:cxn ang="0">
+                <a:pos x="connsiteX39" y="connsiteY39"/>
+              </a:cxn>
+              <a:cxn ang="0">
+                <a:pos x="connsiteX40" y="connsiteY40"/>
+              </a:cxn>
+              <a:cxn ang="0">
+                <a:pos x="connsiteX41" y="connsiteY41"/>
+              </a:cxn>
+              <a:cxn ang="0">
+                <a:pos x="connsiteX42" y="connsiteY42"/>
+              </a:cxn>
+              <a:cxn ang="0">
+                <a:pos x="connsiteX43" y="connsiteY43"/>
+              </a:cxn>
+            </a:cxnLst>
+            <a:rect l="l" t="t" r="r" b="b"/>
+            <a:pathLst>
+              <a:path w="9339532" h="4002693" extrusionOk="0">
+                <a:moveTo>
+                  <a:pt x="0" y="238561"/>
+                </a:moveTo>
+                <a:cubicBezTo>
+                  <a:pt x="-7251" y="119529"/>
+                  <a:pt x="101056" y="-2375"/>
+                  <a:pt x="238561" y="0"/>
+                </a:cubicBezTo>
+                <a:cubicBezTo>
+                  <a:pt x="375116" y="7370"/>
+                  <a:pt x="736106" y="28706"/>
+                  <a:pt x="920285" y="0"/>
+                </a:cubicBezTo>
+                <a:cubicBezTo>
+                  <a:pt x="1104464" y="-28706"/>
+                  <a:pt x="1601364" y="23155"/>
+                  <a:pt x="1779257" y="0"/>
+                </a:cubicBezTo>
+                <a:cubicBezTo>
+                  <a:pt x="1957150" y="-23155"/>
+                  <a:pt x="2373635" y="21980"/>
+                  <a:pt x="2638229" y="0"/>
+                </a:cubicBezTo>
+                <a:cubicBezTo>
+                  <a:pt x="2902823" y="-21980"/>
+                  <a:pt x="2941225" y="-10847"/>
+                  <a:pt x="3142705" y="0"/>
+                </a:cubicBezTo>
+                <a:cubicBezTo>
+                  <a:pt x="3344185" y="10847"/>
+                  <a:pt x="3426743" y="9037"/>
+                  <a:pt x="3558556" y="0"/>
+                </a:cubicBezTo>
+                <a:cubicBezTo>
+                  <a:pt x="3690369" y="-9037"/>
+                  <a:pt x="3918553" y="12510"/>
+                  <a:pt x="4063032" y="0"/>
+                </a:cubicBezTo>
+                <a:cubicBezTo>
+                  <a:pt x="4207511" y="-12510"/>
+                  <a:pt x="4529417" y="1638"/>
+                  <a:pt x="4833380" y="0"/>
+                </a:cubicBezTo>
+                <a:cubicBezTo>
+                  <a:pt x="5137343" y="-1638"/>
+                  <a:pt x="5415008" y="-36595"/>
+                  <a:pt x="5603728" y="0"/>
+                </a:cubicBezTo>
+                <a:cubicBezTo>
+                  <a:pt x="5792448" y="36595"/>
+                  <a:pt x="5832256" y="-11336"/>
+                  <a:pt x="6019579" y="0"/>
+                </a:cubicBezTo>
+                <a:cubicBezTo>
+                  <a:pt x="6206902" y="11336"/>
+                  <a:pt x="6464564" y="3585"/>
+                  <a:pt x="6612679" y="0"/>
+                </a:cubicBezTo>
+                <a:cubicBezTo>
+                  <a:pt x="6760794" y="-3585"/>
+                  <a:pt x="6999938" y="14422"/>
+                  <a:pt x="7205779" y="0"/>
+                </a:cubicBezTo>
+                <a:cubicBezTo>
+                  <a:pt x="7411620" y="-14422"/>
+                  <a:pt x="7603692" y="19502"/>
+                  <a:pt x="7976127" y="0"/>
+                </a:cubicBezTo>
+                <a:cubicBezTo>
+                  <a:pt x="8348562" y="-19502"/>
+                  <a:pt x="8344262" y="10351"/>
+                  <a:pt x="8480602" y="0"/>
+                </a:cubicBezTo>
+                <a:cubicBezTo>
+                  <a:pt x="8616942" y="-10351"/>
+                  <a:pt x="8816637" y="28569"/>
+                  <a:pt x="9100971" y="0"/>
+                </a:cubicBezTo>
+                <a:cubicBezTo>
+                  <a:pt x="9238961" y="4225"/>
+                  <a:pt x="9335730" y="117854"/>
+                  <a:pt x="9339532" y="238561"/>
+                </a:cubicBezTo>
+                <a:cubicBezTo>
+                  <a:pt x="9341892" y="412421"/>
+                  <a:pt x="9325781" y="618984"/>
+                  <a:pt x="9339532" y="790900"/>
+                </a:cubicBezTo>
+                <a:cubicBezTo>
+                  <a:pt x="9353283" y="962816"/>
+                  <a:pt x="9365547" y="1112794"/>
+                  <a:pt x="9339532" y="1378496"/>
+                </a:cubicBezTo>
+                <a:cubicBezTo>
+                  <a:pt x="9313517" y="1644198"/>
+                  <a:pt x="9361313" y="1665208"/>
+                  <a:pt x="9339532" y="1860324"/>
+                </a:cubicBezTo>
+                <a:cubicBezTo>
+                  <a:pt x="9317751" y="2055440"/>
+                  <a:pt x="9365769" y="2257708"/>
+                  <a:pt x="9339532" y="2447919"/>
+                </a:cubicBezTo>
+                <a:cubicBezTo>
+                  <a:pt x="9313295" y="2638131"/>
+                  <a:pt x="9347386" y="2924372"/>
+                  <a:pt x="9339532" y="3106025"/>
+                </a:cubicBezTo>
+                <a:cubicBezTo>
+                  <a:pt x="9331678" y="3287678"/>
+                  <a:pt x="9357906" y="3577162"/>
+                  <a:pt x="9339532" y="3764132"/>
+                </a:cubicBezTo>
+                <a:cubicBezTo>
+                  <a:pt x="9360810" y="3879423"/>
+                  <a:pt x="9231622" y="4006723"/>
+                  <a:pt x="9100971" y="4002693"/>
+                </a:cubicBezTo>
+                <a:cubicBezTo>
+                  <a:pt x="8872286" y="4020970"/>
+                  <a:pt x="8613158" y="4005573"/>
+                  <a:pt x="8419247" y="4002693"/>
+                </a:cubicBezTo>
+                <a:cubicBezTo>
+                  <a:pt x="8225336" y="3999813"/>
+                  <a:pt x="7937880" y="3983636"/>
+                  <a:pt x="7560275" y="4002693"/>
+                </a:cubicBezTo>
+                <a:cubicBezTo>
+                  <a:pt x="7182670" y="4021750"/>
+                  <a:pt x="7301527" y="4001950"/>
+                  <a:pt x="7144424" y="4002693"/>
+                </a:cubicBezTo>
+                <a:cubicBezTo>
+                  <a:pt x="6987321" y="4003436"/>
+                  <a:pt x="6881712" y="4022062"/>
+                  <a:pt x="6728572" y="4002693"/>
+                </a:cubicBezTo>
+                <a:cubicBezTo>
+                  <a:pt x="6575432" y="3983324"/>
+                  <a:pt x="6289958" y="3998403"/>
+                  <a:pt x="6135472" y="4002693"/>
+                </a:cubicBezTo>
+                <a:cubicBezTo>
+                  <a:pt x="5980986" y="4006983"/>
+                  <a:pt x="5646788" y="4025286"/>
+                  <a:pt x="5453748" y="4002693"/>
+                </a:cubicBezTo>
+                <a:cubicBezTo>
+                  <a:pt x="5260708" y="3980100"/>
+                  <a:pt x="5052707" y="4023873"/>
+                  <a:pt x="4860649" y="4002693"/>
+                </a:cubicBezTo>
+                <a:cubicBezTo>
+                  <a:pt x="4668591" y="3981513"/>
+                  <a:pt x="4451613" y="4028056"/>
+                  <a:pt x="4090301" y="4002693"/>
+                </a:cubicBezTo>
+                <a:cubicBezTo>
+                  <a:pt x="3728989" y="3977330"/>
+                  <a:pt x="3420568" y="3985698"/>
+                  <a:pt x="3231329" y="4002693"/>
+                </a:cubicBezTo>
+                <a:cubicBezTo>
+                  <a:pt x="3042090" y="4019688"/>
+                  <a:pt x="2757665" y="3996979"/>
+                  <a:pt x="2549605" y="4002693"/>
+                </a:cubicBezTo>
+                <a:cubicBezTo>
+                  <a:pt x="2341545" y="4008407"/>
+                  <a:pt x="2219189" y="3988776"/>
+                  <a:pt x="1956505" y="4002693"/>
+                </a:cubicBezTo>
+                <a:cubicBezTo>
+                  <a:pt x="1693821" y="4016610"/>
+                  <a:pt x="1452784" y="4007753"/>
+                  <a:pt x="1097533" y="4002693"/>
+                </a:cubicBezTo>
+                <a:cubicBezTo>
+                  <a:pt x="742282" y="3997633"/>
+                  <a:pt x="649228" y="4023593"/>
+                  <a:pt x="238561" y="4002693"/>
+                </a:cubicBezTo>
+                <a:cubicBezTo>
+                  <a:pt x="103206" y="4002097"/>
+                  <a:pt x="-19238" y="3889609"/>
+                  <a:pt x="0" y="3764132"/>
+                </a:cubicBezTo>
+                <a:cubicBezTo>
+                  <a:pt x="15958" y="3597922"/>
+                  <a:pt x="15371" y="3455143"/>
+                  <a:pt x="0" y="3247048"/>
+                </a:cubicBezTo>
+                <a:cubicBezTo>
+                  <a:pt x="-15371" y="3038953"/>
+                  <a:pt x="-13208" y="2791065"/>
+                  <a:pt x="0" y="2624197"/>
+                </a:cubicBezTo>
+                <a:cubicBezTo>
+                  <a:pt x="13208" y="2457329"/>
+                  <a:pt x="-9994" y="2224504"/>
+                  <a:pt x="0" y="2071858"/>
+                </a:cubicBezTo>
+                <a:cubicBezTo>
+                  <a:pt x="9994" y="1919212"/>
+                  <a:pt x="-9779" y="1693070"/>
+                  <a:pt x="0" y="1554774"/>
+                </a:cubicBezTo>
+                <a:cubicBezTo>
+                  <a:pt x="9779" y="1416478"/>
+                  <a:pt x="24988" y="1099819"/>
+                  <a:pt x="0" y="896668"/>
+                </a:cubicBezTo>
+                <a:cubicBezTo>
+                  <a:pt x="-24988" y="693517"/>
+                  <a:pt x="3547" y="506343"/>
+                  <a:pt x="0" y="238561"/>
+                </a:cubicBezTo>
+                <a:close/>
+              </a:path>
+            </a:pathLst>
+          </a:custGeom>
+          <a:noFill/>
+          <a:ln w="38100" cap="flat" cmpd="sng" algn="ctr">
+            <a:solidFill>
+              <a:schemeClr val="dk1"/>
+            </a:solidFill>
+            <a:prstDash val="solid"/>
+            <a:round/>
+            <a:headEnd type="none" w="med" len="med"/>
+            <a:tailEnd type="none" w="med" len="med"/>
+            <a:extLst>
+              <a:ext uri="{C807C97D-BFC1-408E-A445-0C87EB9F89A2}">
+                <ask:lineSketchStyleProps xmlns:ask="http://schemas.microsoft.com/office/drawing/2018/sketchyshapes" sd="981765707">
+                  <a:prstGeom prst="roundRect">
+                    <a:avLst>
+                      <a:gd name="adj" fmla="val 5960"/>
+                    </a:avLst>
+                  </a:prstGeom>
+                  <ask:type>
+                    <ask:lineSketchFreehand/>
+                  </ask:type>
+                </ask:lineSketchStyleProps>
+              </a:ext>
+            </a:extLst>
+          </a:ln>
+        </p:spPr>
+        <p:style>
+          <a:lnRef idx="0">
+            <a:scrgbClr r="0" g="0" b="0"/>
+          </a:lnRef>
+          <a:fillRef idx="0">
+            <a:scrgbClr r="0" g="0" b="0"/>
+          </a:fillRef>
+          <a:effectRef idx="0">
+            <a:scrgbClr r="0" g="0" b="0"/>
+          </a:effectRef>
+          <a:fontRef idx="minor">
+            <a:schemeClr val="dk1"/>
+          </a:fontRef>
+        </p:style>
+        <p:txBody>
+          <a:bodyPr rtlCol="0" anchor="ctr"/>
+          <a:lstStyle/>
+          <a:p>
+            <a:pPr algn="ctr"/>
+            <a:endParaRPr lang="en-US"/>
+          </a:p>
+        </p:txBody>
+      </p:sp>
+      <p:pic>
+        <p:nvPicPr>
+          <p:cNvPr id="11" name="Graphic 10">
+            <a:extLst>
+              <a:ext uri="{FF2B5EF4-FFF2-40B4-BE49-F238E27FC236}">
+                <a16:creationId xmlns:a16="http://schemas.microsoft.com/office/drawing/2014/main" id="{CD9A2C64-E77D-4F5C-8395-9B2798C8C38A}"/>
+              </a:ext>
+            </a:extLst>
+          </p:cNvPr>
+          <p:cNvPicPr>
+            <a:picLocks noChangeAspect="1"/>
+          </p:cNvPicPr>
+          <p:nvPr/>
+        </p:nvPicPr>
+        <p:blipFill>
+          <a:blip r:embed="rId3">
+            <a:extLst>
+              <a:ext uri="{28A0092B-C50C-407E-A947-70E740481C1C}">
+                <a14:useLocalDpi xmlns:a14="http://schemas.microsoft.com/office/drawing/2010/main" val="0"/>
+              </a:ext>
+              <a:ext uri="{96DAC541-7B7A-43D3-8B79-37D633B846F1}">
+                <asvg:svgBlip xmlns:asvg="http://schemas.microsoft.com/office/drawing/2016/SVG/main" r:embed="rId4"/>
+              </a:ext>
+            </a:extLst>
+          </a:blip>
+          <a:stretch>
+            <a:fillRect/>
+          </a:stretch>
+        </p:blipFill>
+        <p:spPr>
+          <a:xfrm>
+            <a:off x="3169311" y="1904143"/>
+            <a:ext cx="365760" cy="365760"/>
+          </a:xfrm>
+          <a:prstGeom prst="rect">
+            <a:avLst/>
+          </a:prstGeom>
+        </p:spPr>
+      </p:pic>
+      <p:pic>
+        <p:nvPicPr>
+          <p:cNvPr id="13" name="Graphic 12">
+            <a:extLst>
+              <a:ext uri="{FF2B5EF4-FFF2-40B4-BE49-F238E27FC236}">
+                <a16:creationId xmlns:a16="http://schemas.microsoft.com/office/drawing/2014/main" id="{8B073AC8-F7BE-4E13-AAB2-F7CFE6FE300C}"/>
+              </a:ext>
+            </a:extLst>
+          </p:cNvPr>
+          <p:cNvPicPr>
+            <a:picLocks noChangeAspect="1"/>
+          </p:cNvPicPr>
+          <p:nvPr/>
+        </p:nvPicPr>
+        <p:blipFill>
+          <a:blip r:embed="rId5">
+            <a:extLst>
+              <a:ext uri="{28A0092B-C50C-407E-A947-70E740481C1C}">
+                <a14:useLocalDpi xmlns:a14="http://schemas.microsoft.com/office/drawing/2010/main" val="0"/>
+              </a:ext>
+              <a:ext uri="{96DAC541-7B7A-43D3-8B79-37D633B846F1}">
+                <asvg:svgBlip xmlns:asvg="http://schemas.microsoft.com/office/drawing/2016/SVG/main" r:embed="rId6"/>
+              </a:ext>
+            </a:extLst>
+          </a:blip>
+          <a:stretch>
+            <a:fillRect/>
+          </a:stretch>
+        </p:blipFill>
+        <p:spPr>
+          <a:xfrm>
+            <a:off x="5653756" y="1904143"/>
+            <a:ext cx="365760" cy="365760"/>
+          </a:xfrm>
+          <a:prstGeom prst="rect">
+            <a:avLst/>
+          </a:prstGeom>
+        </p:spPr>
+      </p:pic>
+      <p:pic>
+        <p:nvPicPr>
+          <p:cNvPr id="15" name="Graphic 14">
+            <a:extLst>
+              <a:ext uri="{FF2B5EF4-FFF2-40B4-BE49-F238E27FC236}">
+                <a16:creationId xmlns:a16="http://schemas.microsoft.com/office/drawing/2014/main" id="{3CB5EE80-9122-4A9C-801B-1F1EABAB0A99}"/>
+              </a:ext>
+            </a:extLst>
+          </p:cNvPr>
+          <p:cNvPicPr>
+            <a:picLocks noChangeAspect="1"/>
+          </p:cNvPicPr>
+          <p:nvPr/>
+        </p:nvPicPr>
+        <p:blipFill>
+          <a:blip r:embed="rId7">
+            <a:extLst>
+              <a:ext uri="{28A0092B-C50C-407E-A947-70E740481C1C}">
+                <a14:useLocalDpi xmlns:a14="http://schemas.microsoft.com/office/drawing/2010/main" val="0"/>
+              </a:ext>
+              <a:ext uri="{96DAC541-7B7A-43D3-8B79-37D633B846F1}">
+                <asvg:svgBlip xmlns:asvg="http://schemas.microsoft.com/office/drawing/2016/SVG/main" r:embed="rId8"/>
+              </a:ext>
+            </a:extLst>
+          </a:blip>
+          <a:stretch>
+            <a:fillRect/>
+          </a:stretch>
+        </p:blipFill>
+        <p:spPr>
+          <a:xfrm>
+            <a:off x="8779356" y="1907898"/>
+            <a:ext cx="365760" cy="365760"/>
+          </a:xfrm>
+          <a:prstGeom prst="rect">
+            <a:avLst/>
+          </a:prstGeom>
+        </p:spPr>
+      </p:pic>
+      <p:grpSp>
+        <p:nvGrpSpPr>
+          <p:cNvPr id="23" name="Group 22">
+            <a:extLst>
+              <a:ext uri="{FF2B5EF4-FFF2-40B4-BE49-F238E27FC236}">
+                <a16:creationId xmlns:a16="http://schemas.microsoft.com/office/drawing/2014/main" id="{FEE5CD91-13C3-4EBD-977F-5811580491A2}"/>
+              </a:ext>
+            </a:extLst>
+          </p:cNvPr>
+          <p:cNvGrpSpPr/>
+          <p:nvPr/>
+        </p:nvGrpSpPr>
+        <p:grpSpPr>
+          <a:xfrm>
+            <a:off x="2387794" y="540923"/>
+            <a:ext cx="640080" cy="640080"/>
+            <a:chOff x="1495785" y="979638"/>
+            <a:chExt cx="640080" cy="640080"/>
+          </a:xfrm>
+        </p:grpSpPr>
+        <p:sp>
+          <p:nvSpPr>
+            <p:cNvPr id="21" name="Rectangle 20">
+              <a:extLst>
+                <a:ext uri="{FF2B5EF4-FFF2-40B4-BE49-F238E27FC236}">
+                  <a16:creationId xmlns:a16="http://schemas.microsoft.com/office/drawing/2014/main" id="{0AE5BBDB-DC1B-48B6-9F6F-627D963F8018}"/>
+                </a:ext>
+              </a:extLst>
+            </p:cNvPr>
+            <p:cNvSpPr/>
+            <p:nvPr/>
+          </p:nvSpPr>
+          <p:spPr>
+            <a:xfrm>
+              <a:off x="1495785" y="979638"/>
+              <a:ext cx="640080" cy="640080"/>
+            </a:xfrm>
+            <a:prstGeom prst="rect">
+              <a:avLst/>
+            </a:prstGeom>
+            <a:ln>
+              <a:noFill/>
+            </a:ln>
+          </p:spPr>
+          <p:style>
+            <a:lnRef idx="2">
+              <a:schemeClr val="dk1"/>
+            </a:lnRef>
+            <a:fillRef idx="1">
+              <a:schemeClr val="lt1"/>
+            </a:fillRef>
+            <a:effectRef idx="0">
+              <a:schemeClr val="dk1"/>
+            </a:effectRef>
+            <a:fontRef idx="minor">
+              <a:schemeClr val="dk1"/>
+            </a:fontRef>
+          </p:style>
+          <p:txBody>
+            <a:bodyPr rtlCol="0" anchor="ctr"/>
+            <a:lstStyle/>
+            <a:p>
+              <a:pPr algn="ctr"/>
+              <a:endParaRPr lang="en-US"/>
+            </a:p>
+          </p:txBody>
+        </p:sp>
+        <p:pic>
+          <p:nvPicPr>
+            <p:cNvPr id="17" name="Graphic 16">
+              <a:extLst>
+                <a:ext uri="{FF2B5EF4-FFF2-40B4-BE49-F238E27FC236}">
+                  <a16:creationId xmlns:a16="http://schemas.microsoft.com/office/drawing/2014/main" id="{4AF0D685-5C19-417E-AC0B-D48013ECA4FF}"/>
+                </a:ext>
+              </a:extLst>
+            </p:cNvPr>
+            <p:cNvPicPr>
+              <a:picLocks noChangeAspect="1"/>
+            </p:cNvPicPr>
+            <p:nvPr/>
+          </p:nvPicPr>
+          <p:blipFill>
+            <a:blip r:embed="rId9">
+              <a:extLst>
+                <a:ext uri="{28A0092B-C50C-407E-A947-70E740481C1C}">
+                  <a14:useLocalDpi xmlns:a14="http://schemas.microsoft.com/office/drawing/2010/main" val="0"/>
+                </a:ext>
+                <a:ext uri="{96DAC541-7B7A-43D3-8B79-37D633B846F1}">
+                  <asvg:svgBlip xmlns:asvg="http://schemas.microsoft.com/office/drawing/2016/SVG/main" r:embed="rId10"/>
+                </a:ext>
+              </a:extLst>
+            </a:blip>
+            <a:stretch>
+              <a:fillRect/>
+            </a:stretch>
+          </p:blipFill>
+          <p:spPr>
+            <a:xfrm>
+              <a:off x="1495785" y="979638"/>
+              <a:ext cx="640080" cy="640080"/>
+            </a:xfrm>
+            <a:prstGeom prst="rect">
+              <a:avLst/>
+            </a:prstGeom>
+          </p:spPr>
+        </p:pic>
+      </p:grpSp>
+      <p:sp>
+        <p:nvSpPr>
+          <p:cNvPr id="29" name="Rectangle: Rounded Corners 28">
+            <a:extLst>
+              <a:ext uri="{FF2B5EF4-FFF2-40B4-BE49-F238E27FC236}">
+                <a16:creationId xmlns:a16="http://schemas.microsoft.com/office/drawing/2014/main" id="{22689092-0B6A-45F2-8D0D-CB75433221F5}"/>
+              </a:ext>
+            </a:extLst>
+          </p:cNvPr>
+          <p:cNvSpPr/>
+          <p:nvPr/>
+        </p:nvSpPr>
+        <p:spPr>
+          <a:xfrm>
+            <a:off x="2689107" y="1261643"/>
+            <a:ext cx="9152086" cy="3540396"/>
+          </a:xfrm>
+          <a:prstGeom prst="roundRect">
+            <a:avLst>
+              <a:gd name="adj" fmla="val 5960"/>
+            </a:avLst>
+          </a:prstGeom>
+          <a:noFill/>
+          <a:ln w="19050" cap="flat" cmpd="sng" algn="ctr">
+            <a:solidFill>
+              <a:schemeClr val="bg2">
+                <a:lumMod val="90000"/>
+              </a:schemeClr>
+            </a:solidFill>
+            <a:prstDash val="sysDash"/>
+            <a:round/>
+            <a:headEnd type="none" w="med" len="med"/>
+            <a:tailEnd type="none" w="med" len="med"/>
+          </a:ln>
+        </p:spPr>
+        <p:style>
+          <a:lnRef idx="0">
+            <a:scrgbClr r="0" g="0" b="0"/>
+          </a:lnRef>
+          <a:fillRef idx="0">
+            <a:scrgbClr r="0" g="0" b="0"/>
+          </a:fillRef>
+          <a:effectRef idx="0">
+            <a:scrgbClr r="0" g="0" b="0"/>
+          </a:effectRef>
+          <a:fontRef idx="minor">
+            <a:schemeClr val="dk1"/>
+          </a:fontRef>
+        </p:style>
+        <p:txBody>
+          <a:bodyPr rtlCol="0" anchor="ctr"/>
+          <a:lstStyle/>
+          <a:p>
+            <a:pPr algn="ctr"/>
+            <a:endParaRPr lang="en-US"/>
+          </a:p>
+        </p:txBody>
+      </p:sp>
+      <p:pic>
+        <p:nvPicPr>
+          <p:cNvPr id="7" name="Graphic 6">
+            <a:extLst>
+              <a:ext uri="{FF2B5EF4-FFF2-40B4-BE49-F238E27FC236}">
+                <a16:creationId xmlns:a16="http://schemas.microsoft.com/office/drawing/2014/main" id="{8F08A1E9-7311-4419-ADFE-94E14DF80E83}"/>
+              </a:ext>
+            </a:extLst>
+          </p:cNvPr>
+          <p:cNvPicPr>
+            <a:picLocks noChangeAspect="1"/>
+          </p:cNvPicPr>
+          <p:nvPr/>
+        </p:nvPicPr>
+        <p:blipFill>
+          <a:blip r:embed="rId11">
+            <a:extLst>
+              <a:ext uri="{28A0092B-C50C-407E-A947-70E740481C1C}">
+                <a14:useLocalDpi xmlns:a14="http://schemas.microsoft.com/office/drawing/2010/main" val="0"/>
+              </a:ext>
+              <a:ext uri="{96DAC541-7B7A-43D3-8B79-37D633B846F1}">
+                <asvg:svgBlip xmlns:asvg="http://schemas.microsoft.com/office/drawing/2016/SVG/main" r:embed="rId12"/>
+              </a:ext>
+            </a:extLst>
+          </a:blip>
+          <a:stretch>
+            <a:fillRect/>
+          </a:stretch>
+        </p:blipFill>
+        <p:spPr>
+          <a:xfrm>
+            <a:off x="2746078" y="1311693"/>
+            <a:ext cx="365760" cy="365760"/>
+          </a:xfrm>
+          <a:prstGeom prst="rect">
+            <a:avLst/>
+          </a:prstGeom>
+        </p:spPr>
+      </p:pic>
+      <p:pic>
+        <p:nvPicPr>
+          <p:cNvPr id="9" name="Graphic 8">
+            <a:extLst>
+              <a:ext uri="{FF2B5EF4-FFF2-40B4-BE49-F238E27FC236}">
+                <a16:creationId xmlns:a16="http://schemas.microsoft.com/office/drawing/2014/main" id="{A77850E5-1718-4CD0-B1B6-26F79EAD50E1}"/>
+              </a:ext>
+            </a:extLst>
+          </p:cNvPr>
+          <p:cNvPicPr>
+            <a:picLocks noChangeAspect="1"/>
+          </p:cNvPicPr>
+          <p:nvPr/>
+        </p:nvPicPr>
+        <p:blipFill>
+          <a:blip r:embed="rId13">
+            <a:extLst>
+              <a:ext uri="{28A0092B-C50C-407E-A947-70E740481C1C}">
+                <a14:useLocalDpi xmlns:a14="http://schemas.microsoft.com/office/drawing/2010/main" val="0"/>
+              </a:ext>
+              <a:ext uri="{96DAC541-7B7A-43D3-8B79-37D633B846F1}">
+                <asvg:svgBlip xmlns:asvg="http://schemas.microsoft.com/office/drawing/2016/SVG/main" r:embed="rId14"/>
+              </a:ext>
+            </a:extLst>
+          </a:blip>
+          <a:stretch>
+            <a:fillRect/>
+          </a:stretch>
+        </p:blipFill>
+        <p:spPr>
+          <a:xfrm>
+            <a:off x="3401313" y="1311693"/>
+            <a:ext cx="365760" cy="365760"/>
+          </a:xfrm>
+          <a:prstGeom prst="rect">
+            <a:avLst/>
+          </a:prstGeom>
+        </p:spPr>
+      </p:pic>
+      <p:sp>
+        <p:nvSpPr>
+          <p:cNvPr id="24" name="TextBox 23">
+            <a:extLst>
+              <a:ext uri="{FF2B5EF4-FFF2-40B4-BE49-F238E27FC236}">
+                <a16:creationId xmlns:a16="http://schemas.microsoft.com/office/drawing/2014/main" id="{487B5B75-06AE-4033-A7C6-BD8F03CC7332}"/>
+              </a:ext>
+            </a:extLst>
+          </p:cNvPr>
+          <p:cNvSpPr txBox="1"/>
+          <p:nvPr/>
+        </p:nvSpPr>
+        <p:spPr>
+          <a:xfrm>
+            <a:off x="3046729" y="1262401"/>
+            <a:ext cx="354584" cy="461665"/>
+          </a:xfrm>
+          <a:prstGeom prst="rect">
+            <a:avLst/>
+          </a:prstGeom>
+          <a:noFill/>
+        </p:spPr>
+        <p:txBody>
+          <a:bodyPr wrap="none" rtlCol="0">
+            <a:spAutoFit/>
+          </a:bodyPr>
+          <a:lstStyle/>
+          <a:p>
+            <a:r>
+              <a:rPr lang="en-US" sz="2400" dirty="0">
+                <a:latin typeface="Consolas" panose="020B0609020204030204" pitchFamily="49" charset="0"/>
+              </a:rPr>
+              <a:t>&gt;</a:t>
+            </a:r>
+          </a:p>
+        </p:txBody>
+      </p:sp>
+      <p:sp>
+        <p:nvSpPr>
+          <p:cNvPr id="39" name="TextBox 38">
+            <a:extLst>
+              <a:ext uri="{FF2B5EF4-FFF2-40B4-BE49-F238E27FC236}">
+                <a16:creationId xmlns:a16="http://schemas.microsoft.com/office/drawing/2014/main" id="{66CAA0CF-190A-4EA3-B436-AE0BBE227E71}"/>
+              </a:ext>
+            </a:extLst>
+          </p:cNvPr>
+          <p:cNvSpPr txBox="1"/>
+          <p:nvPr/>
+        </p:nvSpPr>
+        <p:spPr>
+          <a:xfrm>
+            <a:off x="3767073" y="1354733"/>
+            <a:ext cx="1374094" cy="276999"/>
+          </a:xfrm>
+          <a:prstGeom prst="rect">
+            <a:avLst/>
+          </a:prstGeom>
+          <a:noFill/>
+        </p:spPr>
+        <p:txBody>
+          <a:bodyPr wrap="none" rtlCol="0">
+            <a:spAutoFit/>
+          </a:bodyPr>
+          <a:lstStyle/>
+          <a:p>
+            <a:r>
+              <a:rPr lang="en-US" sz="1200" dirty="0">
+                <a:latin typeface="Consolas" panose="020B0609020204030204" pitchFamily="49" charset="0"/>
+              </a:rPr>
+              <a:t>Resource Group</a:t>
+            </a:r>
+          </a:p>
+        </p:txBody>
+      </p:sp>
+      <p:sp>
+        <p:nvSpPr>
+          <p:cNvPr id="41" name="TextBox 40">
+            <a:extLst>
+              <a:ext uri="{FF2B5EF4-FFF2-40B4-BE49-F238E27FC236}">
+                <a16:creationId xmlns:a16="http://schemas.microsoft.com/office/drawing/2014/main" id="{A757A5C5-6435-46A9-A56A-21A1B01BED88}"/>
+              </a:ext>
+            </a:extLst>
+          </p:cNvPr>
+          <p:cNvSpPr txBox="1"/>
+          <p:nvPr/>
+        </p:nvSpPr>
+        <p:spPr>
+          <a:xfrm>
+            <a:off x="3535071" y="1921955"/>
+            <a:ext cx="1535998" cy="1138773"/>
+          </a:xfrm>
+          <a:prstGeom prst="rect">
+            <a:avLst/>
+          </a:prstGeom>
+          <a:noFill/>
+        </p:spPr>
+        <p:txBody>
+          <a:bodyPr wrap="none" rtlCol="0">
+            <a:spAutoFit/>
+          </a:bodyPr>
+          <a:lstStyle/>
+          <a:p>
+            <a:r>
+              <a:rPr lang="en-US" sz="1200" dirty="0">
+                <a:latin typeface="Consolas" panose="020B0609020204030204" pitchFamily="49" charset="0"/>
+              </a:rPr>
+              <a:t>Storage Account</a:t>
+            </a:r>
+          </a:p>
+          <a:p>
+            <a:r>
+              <a:rPr lang="en-US" sz="800" dirty="0">
+                <a:solidFill>
+                  <a:schemeClr val="tx1">
+                    <a:lumMod val="50000"/>
+                    <a:lumOff val="50000"/>
+                  </a:schemeClr>
+                </a:solidFill>
+                <a:latin typeface="Consolas" panose="020B0609020204030204" pitchFamily="49" charset="0"/>
+              </a:rPr>
+              <a:t>Hosts the files</a:t>
+            </a:r>
+          </a:p>
+          <a:p>
+            <a:endParaRPr lang="en-US" sz="800" dirty="0">
+              <a:solidFill>
+                <a:schemeClr val="tx1">
+                  <a:lumMod val="50000"/>
+                  <a:lumOff val="50000"/>
+                </a:schemeClr>
+              </a:solidFill>
+              <a:latin typeface="Consolas" panose="020B0609020204030204" pitchFamily="49" charset="0"/>
+            </a:endParaRPr>
+          </a:p>
+          <a:p>
+            <a:endParaRPr lang="en-US" sz="800" dirty="0">
+              <a:solidFill>
+                <a:schemeClr val="tx1">
+                  <a:lumMod val="50000"/>
+                  <a:lumOff val="50000"/>
+                </a:schemeClr>
+              </a:solidFill>
+              <a:latin typeface="Consolas" panose="020B0609020204030204" pitchFamily="49" charset="0"/>
+            </a:endParaRPr>
+          </a:p>
+          <a:p>
+            <a:r>
+              <a:rPr lang="en-US" sz="800" b="1" dirty="0">
+                <a:solidFill>
+                  <a:sysClr val="windowText" lastClr="000000"/>
+                </a:solidFill>
+                <a:latin typeface="Consolas" panose="020B0609020204030204" pitchFamily="49" charset="0"/>
+              </a:rPr>
+              <a:t>Static Website </a:t>
+            </a:r>
+            <a:r>
+              <a:rPr lang="en-US" sz="800" dirty="0">
+                <a:solidFill>
+                  <a:sysClr val="windowText" lastClr="000000"/>
+                </a:solidFill>
+                <a:latin typeface="Consolas" panose="020B0609020204030204" pitchFamily="49" charset="0"/>
+              </a:rPr>
+              <a:t>enabled</a:t>
+            </a:r>
+          </a:p>
+          <a:p>
+            <a:pPr marL="171450" indent="-171450">
+              <a:buFontTx/>
+              <a:buChar char="-"/>
+            </a:pPr>
+            <a:r>
+              <a:rPr lang="en-US" sz="800" dirty="0">
+                <a:solidFill>
+                  <a:schemeClr val="tx1">
+                    <a:lumMod val="50000"/>
+                    <a:lumOff val="50000"/>
+                  </a:schemeClr>
+                </a:solidFill>
+                <a:latin typeface="Consolas" panose="020B0609020204030204" pitchFamily="49" charset="0"/>
+              </a:rPr>
+              <a:t>index.html / 404.html</a:t>
+            </a:r>
+          </a:p>
+          <a:p>
+            <a:pPr marL="171450" indent="-171450">
+              <a:buFontTx/>
+              <a:buChar char="-"/>
+            </a:pPr>
+            <a:r>
+              <a:rPr lang="en-US" sz="800" b="1" dirty="0">
+                <a:solidFill>
+                  <a:schemeClr val="tx1">
+                    <a:lumMod val="50000"/>
+                    <a:lumOff val="50000"/>
+                  </a:schemeClr>
+                </a:solidFill>
+                <a:latin typeface="Consolas" panose="020B0609020204030204" pitchFamily="49" charset="0"/>
+              </a:rPr>
+              <a:t>Container</a:t>
+            </a:r>
+            <a:r>
+              <a:rPr lang="en-US" sz="800" dirty="0">
+                <a:solidFill>
+                  <a:schemeClr val="tx1">
+                    <a:lumMod val="50000"/>
+                    <a:lumOff val="50000"/>
+                  </a:schemeClr>
+                </a:solidFill>
+                <a:latin typeface="Consolas" panose="020B0609020204030204" pitchFamily="49" charset="0"/>
+              </a:rPr>
+              <a:t> : $web</a:t>
+            </a:r>
+          </a:p>
+          <a:p>
+            <a:endParaRPr lang="en-US" sz="800" dirty="0">
+              <a:solidFill>
+                <a:schemeClr val="tx1">
+                  <a:lumMod val="50000"/>
+                  <a:lumOff val="50000"/>
+                </a:schemeClr>
+              </a:solidFill>
+              <a:latin typeface="Consolas" panose="020B0609020204030204" pitchFamily="49" charset="0"/>
+            </a:endParaRPr>
+          </a:p>
+        </p:txBody>
+      </p:sp>
+      <p:sp>
+        <p:nvSpPr>
+          <p:cNvPr id="43" name="TextBox 42">
+            <a:extLst>
+              <a:ext uri="{FF2B5EF4-FFF2-40B4-BE49-F238E27FC236}">
+                <a16:creationId xmlns:a16="http://schemas.microsoft.com/office/drawing/2014/main" id="{DB842742-9C21-4B17-911A-09DFDF732D56}"/>
+              </a:ext>
+            </a:extLst>
+          </p:cNvPr>
+          <p:cNvSpPr txBox="1"/>
+          <p:nvPr/>
+        </p:nvSpPr>
+        <p:spPr>
+          <a:xfrm>
+            <a:off x="6019516" y="1948523"/>
+            <a:ext cx="2187081" cy="1138773"/>
+          </a:xfrm>
+          <a:prstGeom prst="rect">
+            <a:avLst/>
+          </a:prstGeom>
+          <a:noFill/>
+        </p:spPr>
+        <p:txBody>
+          <a:bodyPr wrap="square" rtlCol="0">
+            <a:spAutoFit/>
+          </a:bodyPr>
+          <a:lstStyle/>
+          <a:p>
+            <a:r>
+              <a:rPr lang="en-US" sz="1200" dirty="0">
+                <a:latin typeface="Consolas" panose="020B0609020204030204" pitchFamily="49" charset="0"/>
+              </a:rPr>
+              <a:t>CDN Profile</a:t>
+            </a:r>
+          </a:p>
+          <a:p>
+            <a:r>
+              <a:rPr lang="en-US" sz="800" dirty="0">
+                <a:solidFill>
+                  <a:schemeClr val="tx1">
+                    <a:lumMod val="50000"/>
+                    <a:lumOff val="50000"/>
+                  </a:schemeClr>
+                </a:solidFill>
+                <a:latin typeface="Consolas" panose="020B0609020204030204" pitchFamily="49" charset="0"/>
+              </a:rPr>
+              <a:t>Content Delivery Network, caches to optimize performance and cost</a:t>
+            </a:r>
+          </a:p>
+          <a:p>
+            <a:endParaRPr lang="en-US" sz="800" dirty="0">
+              <a:solidFill>
+                <a:schemeClr val="tx1">
+                  <a:lumMod val="50000"/>
+                  <a:lumOff val="50000"/>
+                </a:schemeClr>
+              </a:solidFill>
+              <a:latin typeface="Consolas" panose="020B0609020204030204" pitchFamily="49" charset="0"/>
+            </a:endParaRPr>
+          </a:p>
+          <a:p>
+            <a:r>
+              <a:rPr lang="en-US" sz="800" b="1" dirty="0">
+                <a:latin typeface="Consolas" panose="020B0609020204030204" pitchFamily="49" charset="0"/>
+              </a:rPr>
+              <a:t>CDN Endpoint</a:t>
+            </a:r>
+          </a:p>
+          <a:p>
+            <a:pPr marL="171450" indent="-171450">
+              <a:buFontTx/>
+              <a:buChar char="-"/>
+            </a:pPr>
+            <a:r>
+              <a:rPr lang="en-US" sz="800" b="1" dirty="0">
+                <a:solidFill>
+                  <a:schemeClr val="tx1">
+                    <a:lumMod val="50000"/>
+                    <a:lumOff val="50000"/>
+                  </a:schemeClr>
+                </a:solidFill>
+                <a:latin typeface="Consolas" panose="020B0609020204030204" pitchFamily="49" charset="0"/>
+              </a:rPr>
+              <a:t>Origin</a:t>
+            </a:r>
+          </a:p>
+          <a:p>
+            <a:pPr marL="628650" lvl="1" indent="-171450">
+              <a:buFontTx/>
+              <a:buChar char="-"/>
+            </a:pPr>
+            <a:r>
+              <a:rPr lang="en-US" sz="800" dirty="0">
+                <a:solidFill>
+                  <a:schemeClr val="tx1">
+                    <a:lumMod val="50000"/>
+                    <a:lumOff val="50000"/>
+                  </a:schemeClr>
+                </a:solidFill>
+                <a:latin typeface="Consolas" panose="020B0609020204030204" pitchFamily="49" charset="0"/>
+              </a:rPr>
+              <a:t>Storage static website</a:t>
+            </a:r>
+          </a:p>
+          <a:p>
+            <a:pPr marL="628650" lvl="1" indent="-171450">
+              <a:buFontTx/>
+              <a:buChar char="-"/>
+            </a:pPr>
+            <a:r>
+              <a:rPr lang="en-US" sz="800" dirty="0">
+                <a:solidFill>
+                  <a:schemeClr val="tx1">
+                    <a:lumMod val="50000"/>
+                    <a:lumOff val="50000"/>
+                  </a:schemeClr>
+                </a:solidFill>
+                <a:latin typeface="Consolas" panose="020B0609020204030204" pitchFamily="49" charset="0"/>
+              </a:rPr>
+              <a:t>http/https</a:t>
+            </a:r>
+          </a:p>
+        </p:txBody>
+      </p:sp>
+      <p:sp>
+        <p:nvSpPr>
+          <p:cNvPr id="45" name="TextBox 44">
+            <a:extLst>
+              <a:ext uri="{FF2B5EF4-FFF2-40B4-BE49-F238E27FC236}">
+                <a16:creationId xmlns:a16="http://schemas.microsoft.com/office/drawing/2014/main" id="{67CF642A-5C4B-43BE-9FD2-8BB94F75F358}"/>
+              </a:ext>
+            </a:extLst>
+          </p:cNvPr>
+          <p:cNvSpPr txBox="1"/>
+          <p:nvPr/>
+        </p:nvSpPr>
+        <p:spPr>
+          <a:xfrm>
+            <a:off x="9145115" y="1922289"/>
+            <a:ext cx="2324602" cy="2492990"/>
+          </a:xfrm>
+          <a:prstGeom prst="rect">
+            <a:avLst/>
+          </a:prstGeom>
+          <a:noFill/>
+        </p:spPr>
+        <p:txBody>
+          <a:bodyPr wrap="square" rtlCol="0">
+            <a:spAutoFit/>
+          </a:bodyPr>
+          <a:lstStyle/>
+          <a:p>
+            <a:r>
+              <a:rPr lang="en-US" sz="1200" dirty="0">
+                <a:latin typeface="Consolas" panose="020B0609020204030204" pitchFamily="49" charset="0"/>
+              </a:rPr>
+              <a:t>DNS Zone</a:t>
+            </a:r>
+          </a:p>
+          <a:p>
+            <a:r>
+              <a:rPr lang="en-US" sz="800" dirty="0">
+                <a:solidFill>
+                  <a:schemeClr val="tx1">
+                    <a:lumMod val="50000"/>
+                    <a:lumOff val="50000"/>
+                  </a:schemeClr>
+                </a:solidFill>
+                <a:latin typeface="Consolas" panose="020B0609020204030204" pitchFamily="49" charset="0"/>
+              </a:rPr>
+              <a:t>Domain Name System, manages custom domains</a:t>
+            </a:r>
+          </a:p>
+          <a:p>
+            <a:endParaRPr lang="en-US" sz="800" dirty="0">
+              <a:solidFill>
+                <a:schemeClr val="tx1">
+                  <a:lumMod val="50000"/>
+                  <a:lumOff val="50000"/>
+                </a:schemeClr>
+              </a:solidFill>
+              <a:latin typeface="Consolas" panose="020B0609020204030204" pitchFamily="49" charset="0"/>
+            </a:endParaRPr>
+          </a:p>
+          <a:p>
+            <a:r>
+              <a:rPr lang="en-US" sz="800" b="1" dirty="0">
+                <a:latin typeface="Consolas" panose="020B0609020204030204" pitchFamily="49" charset="0"/>
+              </a:rPr>
+              <a:t>Records</a:t>
+            </a:r>
+          </a:p>
+          <a:p>
+            <a:pPr marL="171450" indent="-171450">
+              <a:buFontTx/>
+              <a:buChar char="-"/>
+            </a:pPr>
+            <a:r>
+              <a:rPr lang="en-US" sz="800" dirty="0">
+                <a:solidFill>
+                  <a:schemeClr val="tx1">
+                    <a:lumMod val="50000"/>
+                    <a:lumOff val="50000"/>
+                  </a:schemeClr>
+                </a:solidFill>
+                <a:latin typeface="Consolas" panose="020B0609020204030204" pitchFamily="49" charset="0"/>
+              </a:rPr>
+              <a:t>Azure internals</a:t>
+            </a:r>
+          </a:p>
+          <a:p>
+            <a:pPr marL="628650" lvl="1" indent="-171450">
+              <a:buFontTx/>
+              <a:buChar char="-"/>
+            </a:pPr>
+            <a:r>
+              <a:rPr lang="en-US" sz="800" dirty="0">
+                <a:solidFill>
+                  <a:schemeClr val="tx1">
+                    <a:lumMod val="50000"/>
+                    <a:lumOff val="50000"/>
+                  </a:schemeClr>
+                </a:solidFill>
+                <a:latin typeface="Consolas" panose="020B0609020204030204" pitchFamily="49" charset="0"/>
+              </a:rPr>
+              <a:t>Types NS and SOA</a:t>
+            </a:r>
+          </a:p>
+          <a:p>
+            <a:pPr marL="628650" lvl="1" indent="-171450">
+              <a:buFontTx/>
+              <a:buChar char="-"/>
+            </a:pPr>
+            <a:r>
+              <a:rPr lang="en-US" sz="800" dirty="0">
+                <a:solidFill>
+                  <a:schemeClr val="tx1">
+                    <a:lumMod val="50000"/>
+                    <a:lumOff val="50000"/>
+                  </a:schemeClr>
+                </a:solidFill>
+                <a:latin typeface="Consolas" panose="020B0609020204030204" pitchFamily="49" charset="0"/>
+              </a:rPr>
+              <a:t>Do not touch</a:t>
+            </a:r>
+          </a:p>
+          <a:p>
+            <a:pPr marL="171450" indent="-171450">
+              <a:buFontTx/>
+              <a:buChar char="-"/>
+            </a:pPr>
+            <a:r>
+              <a:rPr lang="en-US" sz="800" b="1" dirty="0">
+                <a:solidFill>
+                  <a:schemeClr val="tx1">
+                    <a:lumMod val="50000"/>
+                    <a:lumOff val="50000"/>
+                  </a:schemeClr>
+                </a:solidFill>
+                <a:latin typeface="Consolas" panose="020B0609020204030204" pitchFamily="49" charset="0"/>
+              </a:rPr>
+              <a:t>Root</a:t>
+            </a:r>
+            <a:r>
+              <a:rPr lang="en-US" sz="800" dirty="0">
+                <a:solidFill>
+                  <a:schemeClr val="tx1">
+                    <a:lumMod val="50000"/>
+                    <a:lumOff val="50000"/>
+                  </a:schemeClr>
+                </a:solidFill>
+                <a:latin typeface="Consolas" panose="020B0609020204030204" pitchFamily="49" charset="0"/>
+              </a:rPr>
+              <a:t> domain</a:t>
+            </a:r>
+          </a:p>
+          <a:p>
+            <a:pPr marL="628650" lvl="1" indent="-171450">
+              <a:buFontTx/>
+              <a:buChar char="-"/>
+            </a:pPr>
+            <a:r>
+              <a:rPr lang="en-US" sz="800" b="1" dirty="0">
+                <a:solidFill>
+                  <a:schemeClr val="tx1">
+                    <a:lumMod val="50000"/>
+                    <a:lumOff val="50000"/>
+                  </a:schemeClr>
+                </a:solidFill>
+                <a:latin typeface="Consolas" panose="020B0609020204030204" pitchFamily="49" charset="0"/>
+              </a:rPr>
+              <a:t>A</a:t>
+            </a:r>
+            <a:r>
+              <a:rPr lang="en-US" sz="800" dirty="0">
+                <a:solidFill>
+                  <a:schemeClr val="tx1">
+                    <a:lumMod val="50000"/>
+                    <a:lumOff val="50000"/>
+                  </a:schemeClr>
+                </a:solidFill>
+                <a:latin typeface="Consolas" panose="020B0609020204030204" pitchFamily="49" charset="0"/>
+              </a:rPr>
+              <a:t> to CDN endpoint</a:t>
+            </a:r>
+          </a:p>
+          <a:p>
+            <a:pPr marL="628650" lvl="1" indent="-171450">
+              <a:buFontTx/>
+              <a:buChar char="-"/>
+            </a:pPr>
+            <a:r>
+              <a:rPr lang="en-US" sz="800" dirty="0">
+                <a:solidFill>
+                  <a:schemeClr val="tx1">
+                    <a:lumMod val="50000"/>
+                    <a:lumOff val="50000"/>
+                  </a:schemeClr>
+                </a:solidFill>
+                <a:latin typeface="Consolas" panose="020B0609020204030204" pitchFamily="49" charset="0"/>
+              </a:rPr>
+              <a:t>Alias record set</a:t>
+            </a:r>
+          </a:p>
+          <a:p>
+            <a:pPr marL="628650" lvl="1" indent="-171450">
+              <a:buFontTx/>
+              <a:buChar char="-"/>
+            </a:pPr>
+            <a:r>
+              <a:rPr lang="en-US" sz="800" dirty="0">
+                <a:solidFill>
+                  <a:schemeClr val="tx1">
+                    <a:lumMod val="50000"/>
+                    <a:lumOff val="50000"/>
+                  </a:schemeClr>
+                </a:solidFill>
+                <a:latin typeface="Consolas" panose="020B0609020204030204" pitchFamily="49" charset="0"/>
+              </a:rPr>
+              <a:t>Will generate a </a:t>
+            </a:r>
+            <a:r>
+              <a:rPr lang="en-US" sz="800" dirty="0" err="1">
+                <a:solidFill>
+                  <a:schemeClr val="tx1">
+                    <a:lumMod val="50000"/>
+                    <a:lumOff val="50000"/>
+                  </a:schemeClr>
+                </a:solidFill>
+                <a:latin typeface="Consolas" panose="020B0609020204030204" pitchFamily="49" charset="0"/>
+              </a:rPr>
+              <a:t>cdnverify</a:t>
+            </a:r>
+            <a:endParaRPr lang="en-US" sz="800" dirty="0">
+              <a:solidFill>
+                <a:schemeClr val="tx1">
+                  <a:lumMod val="50000"/>
+                  <a:lumOff val="50000"/>
+                </a:schemeClr>
+              </a:solidFill>
+              <a:latin typeface="Consolas" panose="020B0609020204030204" pitchFamily="49" charset="0"/>
+            </a:endParaRPr>
+          </a:p>
+          <a:p>
+            <a:pPr marL="171450" indent="-171450">
+              <a:buFontTx/>
+              <a:buChar char="-"/>
+            </a:pPr>
+            <a:r>
+              <a:rPr lang="en-US" sz="800" b="1" dirty="0">
+                <a:solidFill>
+                  <a:schemeClr val="tx1">
+                    <a:lumMod val="50000"/>
+                    <a:lumOff val="50000"/>
+                  </a:schemeClr>
+                </a:solidFill>
+                <a:latin typeface="Consolas" panose="020B0609020204030204" pitchFamily="49" charset="0"/>
+              </a:rPr>
+              <a:t>www</a:t>
+            </a:r>
+            <a:r>
+              <a:rPr lang="en-US" sz="800" dirty="0">
+                <a:solidFill>
+                  <a:schemeClr val="tx1">
+                    <a:lumMod val="50000"/>
+                    <a:lumOff val="50000"/>
+                  </a:schemeClr>
+                </a:solidFill>
+                <a:latin typeface="Consolas" panose="020B0609020204030204" pitchFamily="49" charset="0"/>
+              </a:rPr>
+              <a:t> domain</a:t>
+            </a:r>
+          </a:p>
+          <a:p>
+            <a:pPr marL="628650" lvl="1" indent="-171450">
+              <a:buFontTx/>
+              <a:buChar char="-"/>
+            </a:pPr>
+            <a:r>
+              <a:rPr lang="en-US" sz="800" b="1" dirty="0">
+                <a:solidFill>
+                  <a:schemeClr val="tx1">
+                    <a:lumMod val="50000"/>
+                    <a:lumOff val="50000"/>
+                  </a:schemeClr>
+                </a:solidFill>
+                <a:latin typeface="Consolas" panose="020B0609020204030204" pitchFamily="49" charset="0"/>
+              </a:rPr>
+              <a:t>CNAME</a:t>
+            </a:r>
+            <a:r>
+              <a:rPr lang="en-US" sz="800" dirty="0">
+                <a:solidFill>
+                  <a:schemeClr val="tx1">
+                    <a:lumMod val="50000"/>
+                    <a:lumOff val="50000"/>
+                  </a:schemeClr>
+                </a:solidFill>
+                <a:latin typeface="Consolas" panose="020B0609020204030204" pitchFamily="49" charset="0"/>
+              </a:rPr>
+              <a:t> www to endpoint</a:t>
+            </a:r>
+          </a:p>
+          <a:p>
+            <a:pPr marL="628650" lvl="1" indent="-171450">
+              <a:buFontTx/>
+              <a:buChar char="-"/>
+            </a:pPr>
+            <a:r>
+              <a:rPr lang="en-US" sz="800" dirty="0">
+                <a:solidFill>
+                  <a:schemeClr val="tx1">
+                    <a:lumMod val="50000"/>
+                    <a:lumOff val="50000"/>
+                  </a:schemeClr>
+                </a:solidFill>
+                <a:latin typeface="Consolas" panose="020B0609020204030204" pitchFamily="49" charset="0"/>
+              </a:rPr>
+              <a:t>Alias record set</a:t>
+            </a:r>
+          </a:p>
+          <a:p>
+            <a:pPr marL="628650" lvl="1" indent="-171450">
+              <a:buFontTx/>
+              <a:buChar char="-"/>
+            </a:pPr>
+            <a:r>
+              <a:rPr lang="en-US" sz="800" dirty="0">
+                <a:solidFill>
+                  <a:schemeClr val="tx1">
+                    <a:lumMod val="50000"/>
+                    <a:lumOff val="50000"/>
+                  </a:schemeClr>
+                </a:solidFill>
+                <a:latin typeface="Consolas" panose="020B0609020204030204" pitchFamily="49" charset="0"/>
+              </a:rPr>
+              <a:t>Will generate a </a:t>
+            </a:r>
+            <a:r>
+              <a:rPr lang="en-US" sz="800" dirty="0" err="1">
+                <a:solidFill>
+                  <a:schemeClr val="tx1">
+                    <a:lumMod val="50000"/>
+                    <a:lumOff val="50000"/>
+                  </a:schemeClr>
+                </a:solidFill>
+                <a:latin typeface="Consolas" panose="020B0609020204030204" pitchFamily="49" charset="0"/>
+              </a:rPr>
+              <a:t>cdnverify</a:t>
+            </a:r>
+            <a:endParaRPr lang="en-US" sz="800" dirty="0">
+              <a:solidFill>
+                <a:schemeClr val="tx1">
+                  <a:lumMod val="50000"/>
+                  <a:lumOff val="50000"/>
+                </a:schemeClr>
+              </a:solidFill>
+              <a:latin typeface="Consolas" panose="020B0609020204030204" pitchFamily="49" charset="0"/>
+            </a:endParaRPr>
+          </a:p>
+          <a:p>
+            <a:pPr marL="171450" indent="-171450">
+              <a:buFontTx/>
+              <a:buChar char="-"/>
+            </a:pPr>
+            <a:r>
+              <a:rPr lang="en-US" sz="800" dirty="0">
+                <a:solidFill>
+                  <a:schemeClr val="tx1">
+                    <a:lumMod val="50000"/>
+                    <a:lumOff val="50000"/>
+                  </a:schemeClr>
+                </a:solidFill>
+                <a:latin typeface="Consolas" panose="020B0609020204030204" pitchFamily="49" charset="0"/>
+              </a:rPr>
+              <a:t>Optionally</a:t>
+            </a:r>
+          </a:p>
+          <a:p>
+            <a:pPr marL="628650" lvl="1" indent="-171450">
+              <a:buFontTx/>
+              <a:buChar char="-"/>
+            </a:pPr>
+            <a:r>
+              <a:rPr lang="en-US" sz="800" dirty="0">
+                <a:solidFill>
+                  <a:schemeClr val="tx1">
+                    <a:lumMod val="50000"/>
+                    <a:lumOff val="50000"/>
+                  </a:schemeClr>
+                </a:solidFill>
+                <a:latin typeface="Consolas" panose="020B0609020204030204" pitchFamily="49" charset="0"/>
+              </a:rPr>
+              <a:t>analytics and email records depending on provider</a:t>
+            </a:r>
+          </a:p>
+        </p:txBody>
+      </p:sp>
+      <p:sp>
+        <p:nvSpPr>
+          <p:cNvPr id="46" name="Oval 45">
+            <a:extLst>
+              <a:ext uri="{FF2B5EF4-FFF2-40B4-BE49-F238E27FC236}">
+                <a16:creationId xmlns:a16="http://schemas.microsoft.com/office/drawing/2014/main" id="{C48FB031-B5CE-438C-AD3E-73769D497535}"/>
+              </a:ext>
+            </a:extLst>
+          </p:cNvPr>
+          <p:cNvSpPr/>
+          <p:nvPr/>
+        </p:nvSpPr>
+        <p:spPr>
+          <a:xfrm>
+            <a:off x="5293572" y="241563"/>
+            <a:ext cx="224287" cy="223059"/>
+          </a:xfrm>
+          <a:prstGeom prst="ellipse">
+            <a:avLst/>
+          </a:prstGeom>
+        </p:spPr>
+        <p:style>
+          <a:lnRef idx="2">
+            <a:schemeClr val="dk1">
+              <a:shade val="50000"/>
+            </a:schemeClr>
+          </a:lnRef>
+          <a:fillRef idx="1">
+            <a:schemeClr val="dk1"/>
+          </a:fillRef>
+          <a:effectRef idx="0">
+            <a:schemeClr val="dk1"/>
+          </a:effectRef>
+          <a:fontRef idx="minor">
+            <a:schemeClr val="lt1"/>
+          </a:fontRef>
+        </p:style>
+        <p:txBody>
+          <a:bodyPr rtlCol="0" anchor="ctr"/>
+          <a:lstStyle/>
+          <a:p>
+            <a:pPr algn="ctr"/>
+            <a:endParaRPr lang="en-US"/>
+          </a:p>
+        </p:txBody>
+      </p:sp>
+      <p:sp>
+        <p:nvSpPr>
+          <p:cNvPr id="48" name="Oval 47">
+            <a:extLst>
+              <a:ext uri="{FF2B5EF4-FFF2-40B4-BE49-F238E27FC236}">
+                <a16:creationId xmlns:a16="http://schemas.microsoft.com/office/drawing/2014/main" id="{3B696D6E-75C4-4A0F-A61F-41D2948E69E3}"/>
+              </a:ext>
+            </a:extLst>
+          </p:cNvPr>
+          <p:cNvSpPr/>
+          <p:nvPr/>
+        </p:nvSpPr>
+        <p:spPr>
+          <a:xfrm>
+            <a:off x="7771283" y="241563"/>
+            <a:ext cx="224287" cy="223059"/>
+          </a:xfrm>
+          <a:prstGeom prst="ellipse">
+            <a:avLst/>
+          </a:prstGeom>
+        </p:spPr>
+        <p:style>
+          <a:lnRef idx="2">
+            <a:schemeClr val="dk1">
+              <a:shade val="50000"/>
+            </a:schemeClr>
+          </a:lnRef>
+          <a:fillRef idx="1">
+            <a:schemeClr val="dk1"/>
+          </a:fillRef>
+          <a:effectRef idx="0">
+            <a:schemeClr val="dk1"/>
+          </a:effectRef>
+          <a:fontRef idx="minor">
+            <a:schemeClr val="lt1"/>
+          </a:fontRef>
+        </p:style>
+        <p:txBody>
+          <a:bodyPr rtlCol="0" anchor="ctr"/>
+          <a:lstStyle/>
+          <a:p>
+            <a:pPr algn="ctr"/>
+            <a:endParaRPr lang="en-US"/>
+          </a:p>
+        </p:txBody>
+      </p:sp>
+      <p:cxnSp>
+        <p:nvCxnSpPr>
+          <p:cNvPr id="52" name="Connector: Elbow 51">
+            <a:extLst>
+              <a:ext uri="{FF2B5EF4-FFF2-40B4-BE49-F238E27FC236}">
+                <a16:creationId xmlns:a16="http://schemas.microsoft.com/office/drawing/2014/main" id="{E628E6E3-600E-4BF4-BA93-CD65056A7952}"/>
+              </a:ext>
+            </a:extLst>
+          </p:cNvPr>
+          <p:cNvCxnSpPr>
+            <a:cxnSpLocks/>
+            <a:stCxn id="31" idx="0"/>
+            <a:endCxn id="46" idx="4"/>
+          </p:cNvCxnSpPr>
+          <p:nvPr/>
+        </p:nvCxnSpPr>
+        <p:spPr>
+          <a:xfrm rot="5400000" flipH="1" flipV="1">
+            <a:off x="4067115" y="542201"/>
+            <a:ext cx="1416179" cy="1261023"/>
+          </a:xfrm>
+          <a:prstGeom prst="bentConnector3">
+            <a:avLst>
+              <a:gd name="adj1" fmla="val 50000"/>
+            </a:avLst>
+          </a:prstGeom>
+          <a:ln>
+            <a:prstDash val="sysDot"/>
+          </a:ln>
+        </p:spPr>
+        <p:style>
+          <a:lnRef idx="1">
+            <a:schemeClr val="dk1"/>
+          </a:lnRef>
+          <a:fillRef idx="0">
+            <a:schemeClr val="dk1"/>
+          </a:fillRef>
+          <a:effectRef idx="0">
+            <a:schemeClr val="dk1"/>
+          </a:effectRef>
+          <a:fontRef idx="minor">
+            <a:schemeClr val="tx1"/>
+          </a:fontRef>
+        </p:style>
+      </p:cxnSp>
+      <p:sp>
+        <p:nvSpPr>
+          <p:cNvPr id="56" name="TextBox 55">
+            <a:extLst>
+              <a:ext uri="{FF2B5EF4-FFF2-40B4-BE49-F238E27FC236}">
+                <a16:creationId xmlns:a16="http://schemas.microsoft.com/office/drawing/2014/main" id="{27A6460B-9C03-44A7-AD77-FEF464D75BC7}"/>
+              </a:ext>
+            </a:extLst>
+          </p:cNvPr>
+          <p:cNvSpPr txBox="1"/>
+          <p:nvPr/>
+        </p:nvSpPr>
+        <p:spPr>
+          <a:xfrm>
+            <a:off x="3289244" y="244991"/>
+            <a:ext cx="2159483" cy="216202"/>
+          </a:xfrm>
+          <a:prstGeom prst="rect">
+            <a:avLst/>
+          </a:prstGeom>
+          <a:noFill/>
+        </p:spPr>
+        <p:txBody>
+          <a:bodyPr wrap="square">
+            <a:spAutoFit/>
+          </a:bodyPr>
+          <a:lstStyle/>
+          <a:p>
+            <a:r>
+              <a:rPr lang="en-US" sz="800" dirty="0">
+                <a:solidFill>
+                  <a:schemeClr val="tx1">
+                    <a:lumMod val="50000"/>
+                    <a:lumOff val="50000"/>
+                  </a:schemeClr>
+                </a:solidFill>
+                <a:latin typeface="Consolas" panose="020B0609020204030204" pitchFamily="49" charset="0"/>
+              </a:rPr>
+              <a:t>https://&lt;sa&gt;.web.core.windows.net</a:t>
+            </a:r>
+          </a:p>
+        </p:txBody>
+      </p:sp>
+      <p:sp>
+        <p:nvSpPr>
+          <p:cNvPr id="58" name="TextBox 57">
+            <a:extLst>
+              <a:ext uri="{FF2B5EF4-FFF2-40B4-BE49-F238E27FC236}">
+                <a16:creationId xmlns:a16="http://schemas.microsoft.com/office/drawing/2014/main" id="{E85AA211-583F-4CE5-BA4C-957883C0577D}"/>
+              </a:ext>
+            </a:extLst>
+          </p:cNvPr>
+          <p:cNvSpPr txBox="1"/>
+          <p:nvPr/>
+        </p:nvSpPr>
+        <p:spPr>
+          <a:xfrm>
+            <a:off x="6104623" y="245370"/>
+            <a:ext cx="1728163" cy="215444"/>
+          </a:xfrm>
+          <a:prstGeom prst="rect">
+            <a:avLst/>
+          </a:prstGeom>
+          <a:noFill/>
+        </p:spPr>
+        <p:txBody>
+          <a:bodyPr wrap="square">
+            <a:spAutoFit/>
+          </a:bodyPr>
+          <a:lstStyle/>
+          <a:p>
+            <a:r>
+              <a:rPr lang="en-US" sz="800" dirty="0">
+                <a:solidFill>
+                  <a:schemeClr val="tx1">
+                    <a:lumMod val="50000"/>
+                    <a:lumOff val="50000"/>
+                  </a:schemeClr>
+                </a:solidFill>
+                <a:latin typeface="Consolas" panose="020B0609020204030204" pitchFamily="49" charset="0"/>
+              </a:rPr>
+              <a:t>https://&lt;cdn&gt;.azureedge.net</a:t>
+            </a:r>
+          </a:p>
+        </p:txBody>
+      </p:sp>
+      <p:cxnSp>
+        <p:nvCxnSpPr>
+          <p:cNvPr id="60" name="Connector: Elbow 59">
+            <a:extLst>
+              <a:ext uri="{FF2B5EF4-FFF2-40B4-BE49-F238E27FC236}">
+                <a16:creationId xmlns:a16="http://schemas.microsoft.com/office/drawing/2014/main" id="{980D4C3A-F594-48F6-95F3-2709DED15C05}"/>
+              </a:ext>
+            </a:extLst>
+          </p:cNvPr>
+          <p:cNvCxnSpPr>
+            <a:cxnSpLocks/>
+            <a:stCxn id="33" idx="0"/>
+            <a:endCxn id="48" idx="4"/>
+          </p:cNvCxnSpPr>
+          <p:nvPr/>
+        </p:nvCxnSpPr>
+        <p:spPr>
+          <a:xfrm rot="5400000" flipH="1" flipV="1">
+            <a:off x="6697715" y="695088"/>
+            <a:ext cx="1416177" cy="955247"/>
+          </a:xfrm>
+          <a:prstGeom prst="bentConnector3">
+            <a:avLst>
+              <a:gd name="adj1" fmla="val 50000"/>
+            </a:avLst>
+          </a:prstGeom>
+          <a:ln>
+            <a:prstDash val="sysDot"/>
+          </a:ln>
+        </p:spPr>
+        <p:style>
+          <a:lnRef idx="1">
+            <a:schemeClr val="dk1"/>
+          </a:lnRef>
+          <a:fillRef idx="0">
+            <a:schemeClr val="dk1"/>
+          </a:fillRef>
+          <a:effectRef idx="0">
+            <a:schemeClr val="dk1"/>
+          </a:effectRef>
+          <a:fontRef idx="minor">
+            <a:schemeClr val="tx1"/>
+          </a:fontRef>
+        </p:style>
+      </p:cxnSp>
+      <p:pic>
+        <p:nvPicPr>
+          <p:cNvPr id="73" name="Graphic 72">
+            <a:extLst>
+              <a:ext uri="{FF2B5EF4-FFF2-40B4-BE49-F238E27FC236}">
+                <a16:creationId xmlns:a16="http://schemas.microsoft.com/office/drawing/2014/main" id="{CCD2A143-2832-4ABE-8708-81FF28172AE8}"/>
+              </a:ext>
+            </a:extLst>
+          </p:cNvPr>
+          <p:cNvPicPr>
+            <a:picLocks noChangeAspect="1"/>
+          </p:cNvPicPr>
+          <p:nvPr/>
+        </p:nvPicPr>
+        <p:blipFill>
+          <a:blip r:embed="rId15">
+            <a:extLst>
+              <a:ext uri="{28A0092B-C50C-407E-A947-70E740481C1C}">
+                <a14:useLocalDpi xmlns:a14="http://schemas.microsoft.com/office/drawing/2010/main" val="0"/>
+              </a:ext>
+              <a:ext uri="{96DAC541-7B7A-43D3-8B79-37D633B846F1}">
+                <asvg:svgBlip xmlns:asvg="http://schemas.microsoft.com/office/drawing/2016/SVG/main" r:embed="rId16"/>
+              </a:ext>
+            </a:extLst>
+          </a:blip>
+          <a:stretch>
+            <a:fillRect/>
+          </a:stretch>
+        </p:blipFill>
+        <p:spPr>
+          <a:xfrm>
+            <a:off x="3312079" y="2486672"/>
+            <a:ext cx="228600" cy="228600"/>
+          </a:xfrm>
+          <a:prstGeom prst="rect">
+            <a:avLst/>
+          </a:prstGeom>
+        </p:spPr>
+      </p:pic>
+      <p:sp>
+        <p:nvSpPr>
+          <p:cNvPr id="75" name="Arrow: Left 74">
+            <a:extLst>
+              <a:ext uri="{FF2B5EF4-FFF2-40B4-BE49-F238E27FC236}">
+                <a16:creationId xmlns:a16="http://schemas.microsoft.com/office/drawing/2014/main" id="{1769582E-9834-4BCE-BC6E-75C0C1264512}"/>
+              </a:ext>
+            </a:extLst>
+          </p:cNvPr>
+          <p:cNvSpPr/>
+          <p:nvPr/>
+        </p:nvSpPr>
+        <p:spPr>
+          <a:xfrm>
+            <a:off x="5056531" y="2773145"/>
+            <a:ext cx="1447787" cy="192342"/>
+          </a:xfrm>
+          <a:prstGeom prst="leftArrow">
+            <a:avLst/>
+          </a:prstGeom>
+          <a:solidFill>
+            <a:schemeClr val="accent1">
+              <a:lumMod val="40000"/>
+              <a:lumOff val="60000"/>
+            </a:schemeClr>
+          </a:solidFill>
+          <a:ln>
+            <a:noFill/>
+          </a:ln>
+        </p:spPr>
+        <p:style>
+          <a:lnRef idx="2">
+            <a:schemeClr val="accent1">
+              <a:shade val="50000"/>
+            </a:schemeClr>
+          </a:lnRef>
+          <a:fillRef idx="1">
+            <a:schemeClr val="accent1"/>
+          </a:fillRef>
+          <a:effectRef idx="0">
+            <a:schemeClr val="accent1"/>
+          </a:effectRef>
+          <a:fontRef idx="minor">
+            <a:schemeClr val="lt1"/>
+          </a:fontRef>
+        </p:style>
+        <p:txBody>
+          <a:bodyPr rtlCol="0" anchor="ctr"/>
+          <a:lstStyle/>
+          <a:p>
+            <a:pPr algn="ctr"/>
+            <a:endParaRPr lang="en-US"/>
+          </a:p>
+        </p:txBody>
+      </p:sp>
+      <p:sp>
+        <p:nvSpPr>
+          <p:cNvPr id="104" name="Arrow: Left 103">
+            <a:extLst>
+              <a:ext uri="{FF2B5EF4-FFF2-40B4-BE49-F238E27FC236}">
+                <a16:creationId xmlns:a16="http://schemas.microsoft.com/office/drawing/2014/main" id="{7F651CD5-6A99-4E95-809E-7347C200956C}"/>
+              </a:ext>
+            </a:extLst>
+          </p:cNvPr>
+          <p:cNvSpPr/>
+          <p:nvPr/>
+        </p:nvSpPr>
+        <p:spPr>
+          <a:xfrm rot="5400000">
+            <a:off x="8329924" y="4972274"/>
+            <a:ext cx="1460550" cy="192342"/>
+          </a:xfrm>
+          <a:prstGeom prst="leftArrow">
+            <a:avLst/>
+          </a:prstGeom>
+          <a:solidFill>
+            <a:schemeClr val="accent2">
+              <a:lumMod val="40000"/>
+              <a:lumOff val="60000"/>
+            </a:schemeClr>
+          </a:solidFill>
+          <a:ln>
+            <a:noFill/>
+          </a:ln>
+        </p:spPr>
+        <p:style>
+          <a:lnRef idx="2">
+            <a:schemeClr val="accent1">
+              <a:shade val="50000"/>
+            </a:schemeClr>
+          </a:lnRef>
+          <a:fillRef idx="1">
+            <a:schemeClr val="accent1"/>
+          </a:fillRef>
+          <a:effectRef idx="0">
+            <a:schemeClr val="accent1"/>
+          </a:effectRef>
+          <a:fontRef idx="minor">
+            <a:schemeClr val="lt1"/>
+          </a:fontRef>
+        </p:style>
+        <p:txBody>
+          <a:bodyPr rtlCol="0" anchor="ctr"/>
+          <a:lstStyle/>
+          <a:p>
+            <a:pPr algn="ctr"/>
+            <a:endParaRPr lang="en-US"/>
+          </a:p>
+        </p:txBody>
+      </p:sp>
+      <p:sp>
+        <p:nvSpPr>
+          <p:cNvPr id="100" name="Rectangle: Rounded Corners 99">
+            <a:extLst>
+              <a:ext uri="{FF2B5EF4-FFF2-40B4-BE49-F238E27FC236}">
+                <a16:creationId xmlns:a16="http://schemas.microsoft.com/office/drawing/2014/main" id="{77E8AB3C-D750-4F51-AFF1-237E0358DAA7}"/>
+              </a:ext>
+            </a:extLst>
+          </p:cNvPr>
+          <p:cNvSpPr/>
+          <p:nvPr/>
+        </p:nvSpPr>
+        <p:spPr>
+          <a:xfrm>
+            <a:off x="8778977" y="5539604"/>
+            <a:ext cx="2029378" cy="626400"/>
+          </a:xfrm>
+          <a:prstGeom prst="roundRect">
+            <a:avLst>
+              <a:gd name="adj" fmla="val 5960"/>
+            </a:avLst>
+          </a:prstGeom>
+          <a:solidFill>
+            <a:schemeClr val="bg1">
+              <a:lumMod val="95000"/>
+            </a:schemeClr>
+          </a:solidFill>
+          <a:ln w="19050" cap="flat" cmpd="sng" algn="ctr">
+            <a:solidFill>
+              <a:schemeClr val="bg2">
+                <a:lumMod val="90000"/>
+              </a:schemeClr>
+            </a:solidFill>
+            <a:prstDash val="sysDash"/>
+            <a:round/>
+            <a:headEnd type="none" w="med" len="med"/>
+            <a:tailEnd type="none" w="med" len="med"/>
+          </a:ln>
+        </p:spPr>
+        <p:style>
+          <a:lnRef idx="0">
+            <a:scrgbClr r="0" g="0" b="0"/>
+          </a:lnRef>
+          <a:fillRef idx="0">
+            <a:scrgbClr r="0" g="0" b="0"/>
+          </a:fillRef>
+          <a:effectRef idx="0">
+            <a:scrgbClr r="0" g="0" b="0"/>
+          </a:effectRef>
+          <a:fontRef idx="minor">
+            <a:schemeClr val="dk1"/>
+          </a:fontRef>
+        </p:style>
+        <p:txBody>
+          <a:bodyPr rtlCol="0" anchor="ctr"/>
+          <a:lstStyle/>
+          <a:p>
+            <a:pPr algn="ctr"/>
+            <a:endParaRPr lang="en-US"/>
+          </a:p>
+        </p:txBody>
+      </p:sp>
+      <p:sp>
+        <p:nvSpPr>
+          <p:cNvPr id="102" name="TextBox 101">
+            <a:extLst>
+              <a:ext uri="{FF2B5EF4-FFF2-40B4-BE49-F238E27FC236}">
+                <a16:creationId xmlns:a16="http://schemas.microsoft.com/office/drawing/2014/main" id="{F5D0AAC6-412B-40F2-A171-7AF8A4CA8E12}"/>
+              </a:ext>
+            </a:extLst>
+          </p:cNvPr>
+          <p:cNvSpPr txBox="1"/>
+          <p:nvPr/>
+        </p:nvSpPr>
+        <p:spPr>
+          <a:xfrm>
+            <a:off x="8716771" y="5559582"/>
+            <a:ext cx="2091583" cy="584775"/>
+          </a:xfrm>
+          <a:prstGeom prst="rect">
+            <a:avLst/>
+          </a:prstGeom>
+          <a:noFill/>
+        </p:spPr>
+        <p:txBody>
+          <a:bodyPr wrap="square" rtlCol="0">
+            <a:spAutoFit/>
+          </a:bodyPr>
+          <a:lstStyle/>
+          <a:p>
+            <a:pPr algn="ctr"/>
+            <a:r>
+              <a:rPr lang="en-US" sz="1200" dirty="0">
+                <a:latin typeface="Consolas" panose="020B0609020204030204" pitchFamily="49" charset="0"/>
+              </a:rPr>
+              <a:t>Domain Name Provider, aka Registrar</a:t>
+            </a:r>
+          </a:p>
+          <a:p>
+            <a:pPr algn="ctr"/>
+            <a:r>
+              <a:rPr lang="en-US" sz="800" dirty="0">
+                <a:solidFill>
+                  <a:schemeClr val="tx1">
+                    <a:lumMod val="50000"/>
+                    <a:lumOff val="50000"/>
+                  </a:schemeClr>
+                </a:solidFill>
+                <a:latin typeface="Consolas" panose="020B0609020204030204" pitchFamily="49" charset="0"/>
+              </a:rPr>
+              <a:t>Ex: </a:t>
+            </a:r>
+            <a:r>
+              <a:rPr lang="en-US" sz="800" dirty="0" err="1">
+                <a:solidFill>
+                  <a:schemeClr val="tx1">
+                    <a:lumMod val="50000"/>
+                    <a:lumOff val="50000"/>
+                  </a:schemeClr>
+                </a:solidFill>
+                <a:latin typeface="Consolas" panose="020B0609020204030204" pitchFamily="49" charset="0"/>
+              </a:rPr>
+              <a:t>Gandi</a:t>
+            </a:r>
+            <a:endParaRPr lang="en-US" sz="800" dirty="0">
+              <a:solidFill>
+                <a:schemeClr val="tx1">
+                  <a:lumMod val="50000"/>
+                  <a:lumOff val="50000"/>
+                </a:schemeClr>
+              </a:solidFill>
+              <a:latin typeface="Consolas" panose="020B0609020204030204" pitchFamily="49" charset="0"/>
+            </a:endParaRPr>
+          </a:p>
+        </p:txBody>
+      </p:sp>
+      <p:sp>
+        <p:nvSpPr>
+          <p:cNvPr id="106" name="TextBox 105">
+            <a:extLst>
+              <a:ext uri="{FF2B5EF4-FFF2-40B4-BE49-F238E27FC236}">
+                <a16:creationId xmlns:a16="http://schemas.microsoft.com/office/drawing/2014/main" id="{73F2ADDB-E72B-4234-997B-3E95964BD438}"/>
+              </a:ext>
+            </a:extLst>
+          </p:cNvPr>
+          <p:cNvSpPr txBox="1"/>
+          <p:nvPr/>
+        </p:nvSpPr>
+        <p:spPr>
+          <a:xfrm>
+            <a:off x="9078654" y="4909192"/>
+            <a:ext cx="1485830" cy="584775"/>
+          </a:xfrm>
+          <a:prstGeom prst="rect">
+            <a:avLst/>
+          </a:prstGeom>
+          <a:noFill/>
+        </p:spPr>
+        <p:txBody>
+          <a:bodyPr wrap="square">
+            <a:spAutoFit/>
+          </a:bodyPr>
+          <a:lstStyle/>
+          <a:p>
+            <a:r>
+              <a:rPr lang="en-US" sz="800" dirty="0">
+                <a:solidFill>
+                  <a:schemeClr val="tx1">
+                    <a:lumMod val="50000"/>
+                    <a:lumOff val="50000"/>
+                  </a:schemeClr>
+                </a:solidFill>
+                <a:latin typeface="Consolas" panose="020B0609020204030204" pitchFamily="49" charset="0"/>
+              </a:rPr>
+              <a:t>The registrar’s DNS records must be</a:t>
+            </a:r>
+          </a:p>
+          <a:p>
+            <a:r>
+              <a:rPr lang="en-US" sz="800" dirty="0">
+                <a:solidFill>
+                  <a:schemeClr val="tx1">
+                    <a:lumMod val="50000"/>
+                    <a:lumOff val="50000"/>
+                  </a:schemeClr>
+                </a:solidFill>
+                <a:latin typeface="Consolas" panose="020B0609020204030204" pitchFamily="49" charset="0"/>
+              </a:rPr>
+              <a:t>pointing towards the Azure DNS Zone</a:t>
+            </a:r>
+          </a:p>
+        </p:txBody>
+      </p:sp>
+      <p:sp>
+        <p:nvSpPr>
+          <p:cNvPr id="115" name="Arrow: Left 114">
+            <a:extLst>
+              <a:ext uri="{FF2B5EF4-FFF2-40B4-BE49-F238E27FC236}">
+                <a16:creationId xmlns:a16="http://schemas.microsoft.com/office/drawing/2014/main" id="{717838DD-184D-4556-A3FD-C5FA4B093660}"/>
+              </a:ext>
+            </a:extLst>
+          </p:cNvPr>
+          <p:cNvSpPr/>
+          <p:nvPr/>
+        </p:nvSpPr>
+        <p:spPr>
+          <a:xfrm>
+            <a:off x="8527256" y="3104181"/>
+            <a:ext cx="1079617" cy="192342"/>
+          </a:xfrm>
+          <a:prstGeom prst="leftArrow">
+            <a:avLst/>
+          </a:prstGeom>
+          <a:solidFill>
+            <a:schemeClr val="accent1">
+              <a:lumMod val="40000"/>
+              <a:lumOff val="60000"/>
+            </a:schemeClr>
+          </a:solidFill>
+          <a:ln>
+            <a:noFill/>
+          </a:ln>
+        </p:spPr>
+        <p:style>
+          <a:lnRef idx="2">
+            <a:schemeClr val="accent1">
+              <a:shade val="50000"/>
+            </a:schemeClr>
+          </a:lnRef>
+          <a:fillRef idx="1">
+            <a:schemeClr val="accent1"/>
+          </a:fillRef>
+          <a:effectRef idx="0">
+            <a:schemeClr val="accent1"/>
+          </a:effectRef>
+          <a:fontRef idx="minor">
+            <a:schemeClr val="lt1"/>
+          </a:fontRef>
+        </p:style>
+        <p:txBody>
+          <a:bodyPr rtlCol="0" anchor="ctr"/>
+          <a:lstStyle/>
+          <a:p>
+            <a:pPr algn="ctr"/>
+            <a:endParaRPr lang="en-US"/>
+          </a:p>
+        </p:txBody>
+      </p:sp>
+      <p:sp>
+        <p:nvSpPr>
+          <p:cNvPr id="117" name="Arrow: Left 116">
+            <a:extLst>
+              <a:ext uri="{FF2B5EF4-FFF2-40B4-BE49-F238E27FC236}">
+                <a16:creationId xmlns:a16="http://schemas.microsoft.com/office/drawing/2014/main" id="{C4B75210-71D1-45AA-8621-8048B392C257}"/>
+              </a:ext>
+            </a:extLst>
+          </p:cNvPr>
+          <p:cNvSpPr/>
+          <p:nvPr/>
+        </p:nvSpPr>
+        <p:spPr>
+          <a:xfrm>
+            <a:off x="8527256" y="3602616"/>
+            <a:ext cx="1079617" cy="192342"/>
+          </a:xfrm>
+          <a:prstGeom prst="leftArrow">
+            <a:avLst/>
+          </a:prstGeom>
+          <a:solidFill>
+            <a:schemeClr val="accent1">
+              <a:lumMod val="40000"/>
+              <a:lumOff val="60000"/>
+            </a:schemeClr>
+          </a:solidFill>
+          <a:ln>
+            <a:noFill/>
+          </a:ln>
+        </p:spPr>
+        <p:style>
+          <a:lnRef idx="2">
+            <a:schemeClr val="accent1">
+              <a:shade val="50000"/>
+            </a:schemeClr>
+          </a:lnRef>
+          <a:fillRef idx="1">
+            <a:schemeClr val="accent1"/>
+          </a:fillRef>
+          <a:effectRef idx="0">
+            <a:schemeClr val="accent1"/>
+          </a:effectRef>
+          <a:fontRef idx="minor">
+            <a:schemeClr val="lt1"/>
+          </a:fontRef>
+        </p:style>
+        <p:txBody>
+          <a:bodyPr rtlCol="0" anchor="ctr"/>
+          <a:lstStyle/>
+          <a:p>
+            <a:pPr algn="ctr"/>
+            <a:endParaRPr lang="en-US"/>
+          </a:p>
+        </p:txBody>
+      </p:sp>
+      <p:pic>
+        <p:nvPicPr>
+          <p:cNvPr id="119" name="Graphic 118">
+            <a:extLst>
+              <a:ext uri="{FF2B5EF4-FFF2-40B4-BE49-F238E27FC236}">
+                <a16:creationId xmlns:a16="http://schemas.microsoft.com/office/drawing/2014/main" id="{017CBCAC-B183-4D22-847C-9D7B8A3BDE00}"/>
+              </a:ext>
+            </a:extLst>
+          </p:cNvPr>
+          <p:cNvPicPr>
+            <a:picLocks noChangeAspect="1"/>
+          </p:cNvPicPr>
+          <p:nvPr/>
+        </p:nvPicPr>
+        <p:blipFill>
+          <a:blip r:embed="rId17">
+            <a:extLst>
+              <a:ext uri="{28A0092B-C50C-407E-A947-70E740481C1C}">
+                <a14:useLocalDpi xmlns:a14="http://schemas.microsoft.com/office/drawing/2010/main" val="0"/>
+              </a:ext>
+              <a:ext uri="{96DAC541-7B7A-43D3-8B79-37D633B846F1}">
+                <asvg:svgBlip xmlns:asvg="http://schemas.microsoft.com/office/drawing/2016/SVG/main" r:embed="rId18"/>
+              </a:ext>
+            </a:extLst>
+          </a:blip>
+          <a:stretch>
+            <a:fillRect/>
+          </a:stretch>
+        </p:blipFill>
+        <p:spPr>
+          <a:xfrm>
+            <a:off x="323615" y="4033404"/>
+            <a:ext cx="738448" cy="738448"/>
+          </a:xfrm>
+          <a:prstGeom prst="rect">
+            <a:avLst/>
+          </a:prstGeom>
+        </p:spPr>
+      </p:pic>
+      <p:sp>
+        <p:nvSpPr>
+          <p:cNvPr id="120" name="Arrow: Bent 119">
+            <a:extLst>
+              <a:ext uri="{FF2B5EF4-FFF2-40B4-BE49-F238E27FC236}">
+                <a16:creationId xmlns:a16="http://schemas.microsoft.com/office/drawing/2014/main" id="{AE1A7CE0-ACDD-4C4F-9E9F-A23187B6853F}"/>
+              </a:ext>
+            </a:extLst>
+          </p:cNvPr>
+          <p:cNvSpPr/>
+          <p:nvPr/>
+        </p:nvSpPr>
+        <p:spPr>
+          <a:xfrm>
+            <a:off x="635370" y="2474806"/>
+            <a:ext cx="2324408" cy="1580243"/>
+          </a:xfrm>
+          <a:prstGeom prst="bentArrow">
+            <a:avLst>
+              <a:gd name="adj1" fmla="val 9715"/>
+              <a:gd name="adj2" fmla="val 9533"/>
+              <a:gd name="adj3" fmla="val 11171"/>
+              <a:gd name="adj4" fmla="val 43750"/>
+            </a:avLst>
+          </a:prstGeom>
+          <a:solidFill>
+            <a:schemeClr val="accent6">
+              <a:lumMod val="40000"/>
+              <a:lumOff val="60000"/>
+            </a:schemeClr>
+          </a:solidFill>
+          <a:ln>
+            <a:noFill/>
+          </a:ln>
+        </p:spPr>
+        <p:style>
+          <a:lnRef idx="2">
+            <a:schemeClr val="accent1">
+              <a:shade val="50000"/>
+            </a:schemeClr>
+          </a:lnRef>
+          <a:fillRef idx="1">
+            <a:schemeClr val="accent1"/>
+          </a:fillRef>
+          <a:effectRef idx="0">
+            <a:schemeClr val="accent1"/>
+          </a:effectRef>
+          <a:fontRef idx="minor">
+            <a:schemeClr val="lt1"/>
+          </a:fontRef>
+        </p:style>
+        <p:txBody>
+          <a:bodyPr rtlCol="0" anchor="ctr"/>
+          <a:lstStyle/>
+          <a:p>
+            <a:pPr algn="ctr"/>
+            <a:endParaRPr lang="en-US"/>
+          </a:p>
+        </p:txBody>
+      </p:sp>
+      <p:sp>
+        <p:nvSpPr>
+          <p:cNvPr id="122" name="TextBox 121">
+            <a:extLst>
+              <a:ext uri="{FF2B5EF4-FFF2-40B4-BE49-F238E27FC236}">
+                <a16:creationId xmlns:a16="http://schemas.microsoft.com/office/drawing/2014/main" id="{03DAD4C1-AC03-4B71-8947-B016DBFD0335}"/>
+              </a:ext>
+            </a:extLst>
+          </p:cNvPr>
+          <p:cNvSpPr txBox="1"/>
+          <p:nvPr/>
+        </p:nvSpPr>
+        <p:spPr>
+          <a:xfrm>
+            <a:off x="782563" y="3364295"/>
+            <a:ext cx="1425158" cy="707886"/>
+          </a:xfrm>
+          <a:prstGeom prst="rect">
+            <a:avLst/>
+          </a:prstGeom>
+          <a:noFill/>
+        </p:spPr>
+        <p:txBody>
+          <a:bodyPr wrap="square">
+            <a:spAutoFit/>
+          </a:bodyPr>
+          <a:lstStyle/>
+          <a:p>
+            <a:r>
+              <a:rPr lang="en-US" sz="800" dirty="0">
+                <a:solidFill>
+                  <a:schemeClr val="tx1">
+                    <a:lumMod val="50000"/>
+                    <a:lumOff val="50000"/>
+                  </a:schemeClr>
+                </a:solidFill>
+                <a:latin typeface="Consolas" panose="020B0609020204030204" pitchFamily="49" charset="0"/>
+              </a:rPr>
+              <a:t>Upload content to $web, using Storage Explorer or the Azure CLI (not PS due to content types)</a:t>
+            </a:r>
+          </a:p>
+        </p:txBody>
+      </p:sp>
+      <p:sp>
+        <p:nvSpPr>
+          <p:cNvPr id="124" name="Oval 123">
+            <a:extLst>
+              <a:ext uri="{FF2B5EF4-FFF2-40B4-BE49-F238E27FC236}">
+                <a16:creationId xmlns:a16="http://schemas.microsoft.com/office/drawing/2014/main" id="{B73D5AA6-C005-4C84-9A52-35689772C83E}"/>
+              </a:ext>
+            </a:extLst>
+          </p:cNvPr>
+          <p:cNvSpPr/>
+          <p:nvPr/>
+        </p:nvSpPr>
+        <p:spPr>
+          <a:xfrm>
+            <a:off x="10931072" y="249370"/>
+            <a:ext cx="224287" cy="223059"/>
+          </a:xfrm>
+          <a:prstGeom prst="ellipse">
+            <a:avLst/>
+          </a:prstGeom>
+        </p:spPr>
+        <p:style>
+          <a:lnRef idx="2">
+            <a:schemeClr val="dk1">
+              <a:shade val="50000"/>
+            </a:schemeClr>
+          </a:lnRef>
+          <a:fillRef idx="1">
+            <a:schemeClr val="dk1"/>
+          </a:fillRef>
+          <a:effectRef idx="0">
+            <a:schemeClr val="dk1"/>
+          </a:effectRef>
+          <a:fontRef idx="minor">
+            <a:schemeClr val="lt1"/>
+          </a:fontRef>
+        </p:style>
+        <p:txBody>
+          <a:bodyPr rtlCol="0" anchor="ctr"/>
+          <a:lstStyle/>
+          <a:p>
+            <a:pPr algn="ctr"/>
+            <a:endParaRPr lang="en-US"/>
+          </a:p>
+        </p:txBody>
+      </p:sp>
+      <p:cxnSp>
+        <p:nvCxnSpPr>
+          <p:cNvPr id="126" name="Connector: Elbow 125">
+            <a:extLst>
+              <a:ext uri="{FF2B5EF4-FFF2-40B4-BE49-F238E27FC236}">
+                <a16:creationId xmlns:a16="http://schemas.microsoft.com/office/drawing/2014/main" id="{5DD43D90-F2D3-4070-B8F4-4874236F43D9}"/>
+              </a:ext>
+            </a:extLst>
+          </p:cNvPr>
+          <p:cNvCxnSpPr>
+            <a:cxnSpLocks/>
+            <a:stCxn id="35" idx="0"/>
+            <a:endCxn id="124" idx="4"/>
+          </p:cNvCxnSpPr>
+          <p:nvPr/>
+        </p:nvCxnSpPr>
+        <p:spPr>
+          <a:xfrm rot="5400000" flipH="1" flipV="1">
+            <a:off x="9864045" y="701629"/>
+            <a:ext cx="1408371" cy="949972"/>
+          </a:xfrm>
+          <a:prstGeom prst="bentConnector3">
+            <a:avLst>
+              <a:gd name="adj1" fmla="val 50000"/>
+            </a:avLst>
+          </a:prstGeom>
+          <a:ln>
+            <a:prstDash val="sysDot"/>
+          </a:ln>
+        </p:spPr>
+        <p:style>
+          <a:lnRef idx="1">
+            <a:schemeClr val="dk1"/>
+          </a:lnRef>
+          <a:fillRef idx="0">
+            <a:schemeClr val="dk1"/>
+          </a:fillRef>
+          <a:effectRef idx="0">
+            <a:schemeClr val="dk1"/>
+          </a:effectRef>
+          <a:fontRef idx="minor">
+            <a:schemeClr val="tx1"/>
+          </a:fontRef>
+        </p:style>
+      </p:cxnSp>
+      <p:sp>
+        <p:nvSpPr>
+          <p:cNvPr id="129" name="TextBox 128">
+            <a:extLst>
+              <a:ext uri="{FF2B5EF4-FFF2-40B4-BE49-F238E27FC236}">
+                <a16:creationId xmlns:a16="http://schemas.microsoft.com/office/drawing/2014/main" id="{9D8FA551-4A5F-492F-A793-66820668A24A}"/>
+              </a:ext>
+            </a:extLst>
+          </p:cNvPr>
+          <p:cNvSpPr txBox="1"/>
+          <p:nvPr/>
+        </p:nvSpPr>
+        <p:spPr>
+          <a:xfrm>
+            <a:off x="9405891" y="123858"/>
+            <a:ext cx="1728163" cy="584775"/>
+          </a:xfrm>
+          <a:prstGeom prst="rect">
+            <a:avLst/>
+          </a:prstGeom>
+          <a:noFill/>
+        </p:spPr>
+        <p:txBody>
+          <a:bodyPr wrap="square">
+            <a:spAutoFit/>
+          </a:bodyPr>
+          <a:lstStyle/>
+          <a:p>
+            <a:r>
+              <a:rPr lang="en-US" sz="800" dirty="0">
+                <a:solidFill>
+                  <a:schemeClr val="tx1">
+                    <a:lumMod val="50000"/>
+                    <a:lumOff val="50000"/>
+                  </a:schemeClr>
+                </a:solidFill>
+                <a:latin typeface="Consolas" panose="020B0609020204030204" pitchFamily="49" charset="0"/>
+              </a:rPr>
+              <a:t>https://mydomain.com</a:t>
+            </a:r>
+          </a:p>
+          <a:p>
+            <a:r>
+              <a:rPr lang="en-US" sz="800" dirty="0">
+                <a:solidFill>
+                  <a:schemeClr val="tx1">
+                    <a:lumMod val="50000"/>
+                    <a:lumOff val="50000"/>
+                  </a:schemeClr>
+                </a:solidFill>
+                <a:latin typeface="Consolas" panose="020B0609020204030204" pitchFamily="49" charset="0"/>
+              </a:rPr>
+              <a:t>https://www.mydomain.com</a:t>
+            </a:r>
+          </a:p>
+          <a:p>
+            <a:r>
+              <a:rPr lang="en-US" sz="800" dirty="0">
+                <a:solidFill>
+                  <a:schemeClr val="tx1">
+                    <a:lumMod val="50000"/>
+                    <a:lumOff val="50000"/>
+                  </a:schemeClr>
+                </a:solidFill>
+                <a:latin typeface="Consolas" panose="020B0609020204030204" pitchFamily="49" charset="0"/>
+              </a:rPr>
+              <a:t>http://mydomain.com</a:t>
+            </a:r>
+          </a:p>
+          <a:p>
+            <a:r>
+              <a:rPr lang="en-US" sz="800" dirty="0">
+                <a:solidFill>
+                  <a:schemeClr val="tx1">
+                    <a:lumMod val="50000"/>
+                    <a:lumOff val="50000"/>
+                  </a:schemeClr>
+                </a:solidFill>
+                <a:latin typeface="Consolas" panose="020B0609020204030204" pitchFamily="49" charset="0"/>
+              </a:rPr>
+              <a:t>http://www.mydomain.com</a:t>
+            </a:r>
+          </a:p>
+        </p:txBody>
+      </p:sp>
+      <p:sp>
+        <p:nvSpPr>
+          <p:cNvPr id="2" name="Multiplication Sign 1">
+            <a:extLst>
+              <a:ext uri="{FF2B5EF4-FFF2-40B4-BE49-F238E27FC236}">
+                <a16:creationId xmlns:a16="http://schemas.microsoft.com/office/drawing/2014/main" id="{303E92B7-66E8-41FF-BF0D-92ED0E607274}"/>
+              </a:ext>
+            </a:extLst>
+          </p:cNvPr>
+          <p:cNvSpPr/>
+          <p:nvPr/>
+        </p:nvSpPr>
+        <p:spPr>
+          <a:xfrm>
+            <a:off x="8365067" y="2965487"/>
+            <a:ext cx="420224" cy="463513"/>
+          </a:xfrm>
+          <a:prstGeom prst="mathMultiply">
+            <a:avLst/>
+          </a:prstGeom>
+        </p:spPr>
+        <p:style>
+          <a:lnRef idx="1">
+            <a:schemeClr val="accent2"/>
+          </a:lnRef>
+          <a:fillRef idx="3">
+            <a:schemeClr val="accent2"/>
+          </a:fillRef>
+          <a:effectRef idx="2">
+            <a:schemeClr val="accent2"/>
+          </a:effectRef>
+          <a:fontRef idx="minor">
+            <a:schemeClr val="lt1"/>
+          </a:fontRef>
+        </p:style>
+        <p:txBody>
+          <a:bodyPr rtlCol="0" anchor="ctr"/>
+          <a:lstStyle/>
+          <a:p>
+            <a:pPr algn="ctr"/>
+            <a:endParaRPr lang="en-US"/>
+          </a:p>
+        </p:txBody>
+      </p:sp>
+      <p:sp>
+        <p:nvSpPr>
+          <p:cNvPr id="3" name="Multiplication Sign 2">
+            <a:extLst>
+              <a:ext uri="{FF2B5EF4-FFF2-40B4-BE49-F238E27FC236}">
+                <a16:creationId xmlns:a16="http://schemas.microsoft.com/office/drawing/2014/main" id="{4418B54D-9900-4CA0-A1E8-96251352EBB7}"/>
+              </a:ext>
+            </a:extLst>
+          </p:cNvPr>
+          <p:cNvSpPr/>
+          <p:nvPr/>
+        </p:nvSpPr>
+        <p:spPr>
+          <a:xfrm>
+            <a:off x="8365067" y="3465944"/>
+            <a:ext cx="420224" cy="463513"/>
+          </a:xfrm>
+          <a:prstGeom prst="mathMultiply">
+            <a:avLst/>
+          </a:prstGeom>
+        </p:spPr>
+        <p:style>
+          <a:lnRef idx="1">
+            <a:schemeClr val="accent2"/>
+          </a:lnRef>
+          <a:fillRef idx="3">
+            <a:schemeClr val="accent2"/>
+          </a:fillRef>
+          <a:effectRef idx="2">
+            <a:schemeClr val="accent2"/>
+          </a:effectRef>
+          <a:fontRef idx="minor">
+            <a:schemeClr val="lt1"/>
+          </a:fontRef>
+        </p:style>
+        <p:txBody>
+          <a:bodyPr rtlCol="0" anchor="ctr"/>
+          <a:lstStyle/>
+          <a:p>
+            <a:pPr algn="ctr"/>
+            <a:endParaRPr lang="en-US"/>
+          </a:p>
+        </p:txBody>
+      </p:sp>
+    </p:spTree>
+    <p:extLst>
+      <p:ext uri="{BB962C8B-B14F-4D97-AF65-F5344CB8AC3E}">
+        <p14:creationId xmlns:p14="http://schemas.microsoft.com/office/powerpoint/2010/main" val="2288801754"/>
       </p:ext>
     </p:extLst>
   </p:cSld>
